--- a/Examples/Data/Charts/test.pptx
+++ b/Examples/Data/Charts/test.pptx
@@ -1,14 +1,18 @@
 
 <file path=ppt/presentation.xml><?xml version="1.0" encoding="utf-8"?>
-<p:presentation xmlns:a="http://schemas.openxmlformats.org/drawingml/2006/main" xmlns:r="http://schemas.openxmlformats.org/officeDocument/2006/relationships" xmlns:p="http://schemas.openxmlformats.org/presentationml/2006/main" saveSubsetFonts="1">
+<!--Generated by Aspose.Slides for .NET 19.6-->
+<p:presentation xmlns:r="http://schemas.openxmlformats.org/officeDocument/2006/relationships" xmlns:a="http://schemas.openxmlformats.org/drawingml/2006/main" xmlns:p="http://schemas.openxmlformats.org/presentationml/2006/main" saveSubsetFonts="1">
   <p:sldMasterIdLst>
     <p:sldMasterId id="2147483648" r:id="rId1"/>
   </p:sldMasterIdLst>
   <p:sldIdLst>
-    <p:sldId id="257" r:id="rId2"/>
+    <p:sldId id="256" r:id="rId2"/>
   </p:sldIdLst>
-  <p:sldSz cx="12192000" cy="6858000"/>
+  <p:sldSz cx="9144000" cy="6858000" type="screen4x3"/>
   <p:notesSz cx="6858000" cy="9144000"/>
+  <p:custDataLst>
+    <p:tags r:id="rId3"/>
+  </p:custDataLst>
   <p:defaultTextStyle>
     <a:defPPr>
       <a:defRPr lang="en-US"/>
@@ -107,8 +111,277 @@
 </p:presentation>
 </file>
 
+<file path=ppt/charts/chart1.xml><?xml version="1.0" encoding="utf-8"?>
+<c:chartSpace xmlns:a="http://schemas.openxmlformats.org/drawingml/2006/main" xmlns:r="http://schemas.openxmlformats.org/officeDocument/2006/relationships" xmlns:c="http://schemas.openxmlformats.org/drawingml/2006/chart">
+  <c:date1904 val="0"/>
+  <c:lang val="ru-RU"/>
+  <c:roundedCorners val="0"/>
+  <mc:AlternateContent xmlns:mc="http://schemas.openxmlformats.org/markup-compatibility/2006">
+    <mc:Choice xmlns:c14="http://schemas.microsoft.com/office/drawing/2007/8/2/chart" Requires="c14">
+      <c14:style val="102"/>
+    </mc:Choice>
+    <mc:Fallback>
+      <c:style val="2"/>
+    </mc:Fallback>
+  </mc:AlternateContent>
+  <c:chart>
+    <c:autoTitleDeleted val="1"/>
+    <c:plotArea>
+      <c:barChart>
+        <c:barDir val="col"/>
+        <c:grouping val="clustered"/>
+        <c:varyColors val="0"/>
+        <c:ser>
+          <c:idx val="0"/>
+          <c:order val="0"/>
+          <c:tx>
+            <c:strRef>
+              <c:f>Sheet1!$B$1</c:f>
+              <c:strCache>
+                <c:ptCount val="1"/>
+                <c:pt idx="0">
+                  <c:v>Series 1</c:v>
+                </c:pt>
+              </c:strCache>
+            </c:strRef>
+          </c:tx>
+          <c:invertIfNegative val="1"/>
+          <c:cat>
+            <c:strRef>
+              <c:f>Sheet1!$A$2:$A$5</c:f>
+              <c:strCache>
+                <c:ptCount val="4"/>
+                <c:pt idx="0">
+                  <c:v>Category 1</c:v>
+                </c:pt>
+                <c:pt idx="1">
+                  <c:v>Category 2</c:v>
+                </c:pt>
+                <c:pt idx="2">
+                  <c:v>Category 3</c:v>
+                </c:pt>
+                <c:pt idx="3">
+                  <c:v>Category 4</c:v>
+                </c:pt>
+              </c:strCache>
+            </c:strRef>
+          </c:cat>
+          <c:val>
+            <c:numRef>
+              <c:f>Sheet1!$B$2:$B$5</c:f>
+              <c:numCache>
+                <c:formatCode>General</c:formatCode>
+                <c:ptCount val="4"/>
+                <c:pt idx="0">
+                  <c:v>4.3</c:v>
+                </c:pt>
+                <c:pt idx="1">
+                  <c:v>2.5</c:v>
+                </c:pt>
+                <c:pt idx="2">
+                  <c:v>3.5</c:v>
+                </c:pt>
+                <c:pt idx="3">
+                  <c:v>4.5</c:v>
+                </c:pt>
+              </c:numCache>
+            </c:numRef>
+          </c:val>
+        </c:ser>
+        <c:ser>
+          <c:idx val="1"/>
+          <c:order val="1"/>
+          <c:tx>
+            <c:strRef>
+              <c:f>Sheet1!$C$1</c:f>
+              <c:strCache>
+                <c:ptCount val="1"/>
+                <c:pt idx="0">
+                  <c:v>Series 2</c:v>
+                </c:pt>
+              </c:strCache>
+            </c:strRef>
+          </c:tx>
+          <c:invertIfNegative val="1"/>
+          <c:cat>
+            <c:strRef>
+              <c:f>Sheet1!$A$2:$A$5</c:f>
+              <c:strCache>
+                <c:ptCount val="4"/>
+                <c:pt idx="0">
+                  <c:v>Category 1</c:v>
+                </c:pt>
+                <c:pt idx="1">
+                  <c:v>Category 2</c:v>
+                </c:pt>
+                <c:pt idx="2">
+                  <c:v>Category 3</c:v>
+                </c:pt>
+                <c:pt idx="3">
+                  <c:v>Category 4</c:v>
+                </c:pt>
+              </c:strCache>
+            </c:strRef>
+          </c:cat>
+          <c:val>
+            <c:numRef>
+              <c:f>Sheet1!$C$2:$C$5</c:f>
+              <c:numCache>
+                <c:formatCode>General</c:formatCode>
+                <c:ptCount val="4"/>
+                <c:pt idx="0">
+                  <c:v>2.4</c:v>
+                </c:pt>
+                <c:pt idx="1">
+                  <c:v>4.4</c:v>
+                </c:pt>
+                <c:pt idx="2">
+                  <c:v>1.8</c:v>
+                </c:pt>
+                <c:pt idx="3">
+                  <c:v>2.8</c:v>
+                </c:pt>
+              </c:numCache>
+            </c:numRef>
+          </c:val>
+        </c:ser>
+        <c:ser>
+          <c:idx val="2"/>
+          <c:order val="2"/>
+          <c:tx>
+            <c:strRef>
+              <c:f>Sheet1!$D$1</c:f>
+              <c:strCache>
+                <c:ptCount val="1"/>
+                <c:pt idx="0">
+                  <c:v>Series 3</c:v>
+                </c:pt>
+              </c:strCache>
+            </c:strRef>
+          </c:tx>
+          <c:invertIfNegative val="1"/>
+          <c:cat>
+            <c:strRef>
+              <c:f>Sheet1!$A$2:$A$5</c:f>
+              <c:strCache>
+                <c:ptCount val="4"/>
+                <c:pt idx="0">
+                  <c:v>Category 1</c:v>
+                </c:pt>
+                <c:pt idx="1">
+                  <c:v>Category 2</c:v>
+                </c:pt>
+                <c:pt idx="2">
+                  <c:v>Category 3</c:v>
+                </c:pt>
+                <c:pt idx="3">
+                  <c:v>Category 4</c:v>
+                </c:pt>
+              </c:strCache>
+            </c:strRef>
+          </c:cat>
+          <c:val>
+            <c:numRef>
+              <c:f>Sheet1!$D$2:$D$5</c:f>
+              <c:numCache>
+                <c:formatCode>General</c:formatCode>
+                <c:ptCount val="4"/>
+                <c:pt idx="0">
+                  <c:v>2</c:v>
+                </c:pt>
+                <c:pt idx="1">
+                  <c:v>2</c:v>
+                </c:pt>
+                <c:pt idx="2">
+                  <c:v>3</c:v>
+                </c:pt>
+                <c:pt idx="3">
+                  <c:v>5</c:v>
+                </c:pt>
+              </c:numCache>
+            </c:numRef>
+          </c:val>
+        </c:ser>
+        <c:dLbls>
+          <c:showLegendKey val="0"/>
+          <c:showVal val="0"/>
+          <c:showCatName val="0"/>
+          <c:showSerName val="0"/>
+          <c:showPercent val="0"/>
+          <c:showBubbleSize val="0"/>
+          <c:showLeaderLines val="0"/>
+        </c:dLbls>
+        <c:gapWidth/>
+        <c:overlap/>
+        <c:axId val="67451136"/>
+        <c:axId val="66437120"/>
+      </c:barChart>
+      <c:catAx>
+        <c:axId val="67451136"/>
+        <c:scaling>
+          <c:orientation/>
+        </c:scaling>
+        <c:delete val="0"/>
+        <c:axPos val="b"/>
+        <c:majorTickMark val="out"/>
+        <c:minorTickMark val="none"/>
+        <c:crossAx val="66437120"/>
+        <c:crosses val="autoZero"/>
+        <c:auto val="0"/>
+        <c:lblAlgn val="ctr"/>
+        <c:lblOffset/>
+        <c:noMultiLvlLbl val="0"/>
+      </c:catAx>
+      <c:valAx>
+        <c:axId val="66437120"/>
+        <c:scaling>
+          <c:orientation/>
+        </c:scaling>
+        <c:delete val="0"/>
+        <c:axPos val="l"/>
+        <c:majorGridlines/>
+        <c:title>
+          <c:overlay val="1"/>
+          <c:txPr>
+            <a:bodyPr rot="5400000"/>
+            <a:p>
+              <a:pPr>
+                <a:defRPr/>
+              </a:pPr>
+            </a:p>
+          </c:txPr>
+        </c:title>
+        <c:numFmt formatCode="General" sourceLinked="1"/>
+        <c:majorTickMark val="out"/>
+        <c:minorTickMark val="none"/>
+        <c:crossAx val="67451136"/>
+        <c:crosses val="autoZero"/>
+        <c:crossBetween val="between"/>
+      </c:valAx>
+    </c:plotArea>
+    <c:legend>
+      <c:legendPos/>
+      <c:overlay val="0"/>
+    </c:legend>
+    <c:plotVisOnly val="1"/>
+    <c:dispBlanksAs/>
+    <c:showDLblsOverMax val="1"/>
+  </c:chart>
+  <c:txPr>
+    <a:bodyPr/>
+    <a:p>
+      <a:pPr>
+        <a:defRPr sz="1800" smtId="4294967295"/>
+      </a:pPr>
+      <a:endParaRPr sz="1800" smtId="4294967295"/>
+    </a:p>
+  </c:txPr>
+  <c:externalData r:id="rId1"/>
+</c:chartSpace>
+</file>
+
 <file path=ppt/slideLayouts/slideLayout1.xml><?xml version="1.0" encoding="utf-8"?>
-<p:sldLayout xmlns:a="http://schemas.openxmlformats.org/drawingml/2006/main" xmlns:r="http://schemas.openxmlformats.org/officeDocument/2006/relationships" xmlns:p="http://schemas.openxmlformats.org/presentationml/2006/main" type="title" preserve="1">
+<p:sldLayout xmlns:a="http://schemas.openxmlformats.org/drawingml/2006/main" xmlns:r="http://schemas.openxmlformats.org/officeDocument/2006/relationships" xmlns:p14="http://schemas.microsoft.com/office/powerpoint/2010/main" xmlns:a14="http://schemas.microsoft.com/office/drawing/2010/main" xmlns:p15="http://schemas.microsoft.com/office/powerpoint/2012/main" xmlns:p159="http://schemas.microsoft.com/office/powerpoint/2015/09/main" xmlns:p="http://schemas.openxmlformats.org/presentationml/2006/main" type="title" preserve="1">
   <p:cSld name="Title Slide">
     <p:spTree>
       <p:nvGrpSpPr>
@@ -120,8 +393,6 @@
         <a:xfrm>
           <a:off x="0" y="0"/>
           <a:ext cx="0" cy="0"/>
-          <a:chOff x="0" y="0"/>
-          <a:chExt cx="0" cy="0"/>
         </a:xfrm>
       </p:grpSpPr>
       <p:sp>
@@ -134,25 +405,16 @@
             <p:ph type="ctrTitle"/>
           </p:nvPr>
         </p:nvSpPr>
-        <p:spPr>
-          <a:xfrm>
-            <a:off x="1524000" y="1122363"/>
-            <a:ext cx="9144000" cy="2387600"/>
-          </a:xfrm>
-        </p:spPr>
-        <p:txBody>
-          <a:bodyPr anchor="b"/>
-          <a:lstStyle>
-            <a:lvl1pPr algn="ctr">
-              <a:defRPr sz="6000"/>
-            </a:lvl1pPr>
-          </a:lstStyle>
+        <p:spPr/>
+        <p:txBody>
+          <a:bodyPr/>
+          <a:lstStyle/>
           <a:p>
             <a:r>
               <a:rPr lang="en-US" smtClean="0"/>
               <a:t>Click to edit Master title style</a:t>
             </a:r>
-            <a:endParaRPr lang="en-GB"/>
+            <a:endParaRPr lang="en-US"/>
           </a:p>
         </p:txBody>
       </p:sp>
@@ -166,50 +428,99 @@
             <p:ph type="subTitle" idx="1"/>
           </p:nvPr>
         </p:nvSpPr>
-        <p:spPr>
-          <a:xfrm>
-            <a:off x="1524000" y="3602038"/>
-            <a:ext cx="9144000" cy="1655762"/>
-          </a:xfrm>
-        </p:spPr>
+        <p:spPr/>
         <p:txBody>
           <a:bodyPr/>
           <a:lstStyle>
             <a:lvl1pPr marL="0" indent="0" algn="ctr">
               <a:buNone/>
-              <a:defRPr sz="2400"/>
+              <a:defRPr>
+                <a:solidFill>
+                  <a:schemeClr val="tx1">
+                    <a:tint val="75000"/>
+                  </a:schemeClr>
+                </a:solidFill>
+              </a:defRPr>
             </a:lvl1pPr>
             <a:lvl2pPr marL="457200" indent="0" algn="ctr">
               <a:buNone/>
-              <a:defRPr sz="2000"/>
+              <a:defRPr>
+                <a:solidFill>
+                  <a:schemeClr val="tx1">
+                    <a:tint val="75000"/>
+                  </a:schemeClr>
+                </a:solidFill>
+              </a:defRPr>
             </a:lvl2pPr>
             <a:lvl3pPr marL="914400" indent="0" algn="ctr">
               <a:buNone/>
-              <a:defRPr sz="1800"/>
+              <a:defRPr>
+                <a:solidFill>
+                  <a:schemeClr val="tx1">
+                    <a:tint val="75000"/>
+                  </a:schemeClr>
+                </a:solidFill>
+              </a:defRPr>
             </a:lvl3pPr>
             <a:lvl4pPr marL="1371600" indent="0" algn="ctr">
               <a:buNone/>
-              <a:defRPr sz="1600"/>
+              <a:defRPr>
+                <a:solidFill>
+                  <a:schemeClr val="tx1">
+                    <a:tint val="75000"/>
+                  </a:schemeClr>
+                </a:solidFill>
+              </a:defRPr>
             </a:lvl4pPr>
             <a:lvl5pPr marL="1828800" indent="0" algn="ctr">
               <a:buNone/>
-              <a:defRPr sz="1600"/>
+              <a:defRPr>
+                <a:solidFill>
+                  <a:schemeClr val="tx1">
+                    <a:tint val="75000"/>
+                  </a:schemeClr>
+                </a:solidFill>
+              </a:defRPr>
             </a:lvl5pPr>
             <a:lvl6pPr marL="2286000" indent="0" algn="ctr">
               <a:buNone/>
-              <a:defRPr sz="1600"/>
+              <a:defRPr>
+                <a:solidFill>
+                  <a:schemeClr val="tx1">
+                    <a:tint val="75000"/>
+                  </a:schemeClr>
+                </a:solidFill>
+              </a:defRPr>
             </a:lvl6pPr>
             <a:lvl7pPr marL="2743200" indent="0" algn="ctr">
               <a:buNone/>
-              <a:defRPr sz="1600"/>
+              <a:defRPr>
+                <a:solidFill>
+                  <a:schemeClr val="tx1">
+                    <a:tint val="75000"/>
+                  </a:schemeClr>
+                </a:solidFill>
+              </a:defRPr>
             </a:lvl7pPr>
             <a:lvl8pPr marL="3200400" indent="0" algn="ctr">
               <a:buNone/>
-              <a:defRPr sz="1600"/>
+              <a:defRPr>
+                <a:solidFill>
+                  <a:schemeClr val="tx1">
+                    <a:tint val="75000"/>
+                  </a:schemeClr>
+                </a:solidFill>
+              </a:defRPr>
             </a:lvl8pPr>
             <a:lvl9pPr marL="3657600" indent="0" algn="ctr">
               <a:buNone/>
-              <a:defRPr sz="1600"/>
+              <a:defRPr>
+                <a:solidFill>
+                  <a:schemeClr val="tx1">
+                    <a:tint val="75000"/>
+                  </a:schemeClr>
+                </a:solidFill>
+              </a:defRPr>
             </a:lvl9pPr>
           </a:lstStyle>
           <a:p>
@@ -217,7 +528,7 @@
               <a:rPr lang="en-US" smtClean="0"/>
               <a:t>Click to edit Master subtitle style</a:t>
             </a:r>
-            <a:endParaRPr lang="en-GB"/>
+            <a:endParaRPr lang="en-US"/>
           </a:p>
         </p:txBody>
       </p:sp>
@@ -228,19 +539,19 @@
             <a:spLocks noGrp="1"/>
           </p:cNvSpPr>
           <p:nvPr>
-            <p:ph type="dt" sz="half" idx="10"/>
-          </p:nvPr>
-        </p:nvSpPr>
-        <p:spPr/>
-        <p:txBody>
-          <a:bodyPr/>
-          <a:lstStyle/>
-          <a:p>
-            <a:fld id="{93E65311-B9FC-4DB5-9359-925C22807714}" type="datetimeFigureOut">
-              <a:rPr lang="en-GB" smtClean="0"/>
-              <a:t>04/05/2018</a:t>
+            <p:ph type="dt" sz="half" idx="2"/>
+          </p:nvPr>
+        </p:nvSpPr>
+        <p:spPr/>
+        <p:txBody>
+          <a:bodyPr/>
+          <a:lstStyle/>
+          <a:p>
+            <a:fld id="{EA5C69D9-8A8B-407A-8ABB-3998763B2DA8}" type="datetimeFigureOut">
+              <a:rPr lang="en-US" smtClean="0"/>
+              <a:t>11/7/2009</a:t>
             </a:fld>
-            <a:endParaRPr lang="en-GB"/>
+            <a:endParaRPr lang="en-US"/>
           </a:p>
         </p:txBody>
       </p:sp>
@@ -251,15 +562,15 @@
             <a:spLocks noGrp="1"/>
           </p:cNvSpPr>
           <p:nvPr>
-            <p:ph type="ftr" sz="quarter" idx="11"/>
-          </p:nvPr>
-        </p:nvSpPr>
-        <p:spPr/>
-        <p:txBody>
-          <a:bodyPr/>
-          <a:lstStyle/>
-          <a:p>
-            <a:endParaRPr lang="en-GB"/>
+            <p:ph type="ftr" sz="quarter" idx="3"/>
+          </p:nvPr>
+        </p:nvSpPr>
+        <p:spPr/>
+        <p:txBody>
+          <a:bodyPr/>
+          <a:lstStyle/>
+          <a:p>
+            <a:endParaRPr lang="en-US"/>
           </a:p>
         </p:txBody>
       </p:sp>
@@ -270,37 +581,34 @@
             <a:spLocks noGrp="1"/>
           </p:cNvSpPr>
           <p:nvPr>
-            <p:ph type="sldNum" sz="quarter" idx="12"/>
-          </p:nvPr>
-        </p:nvSpPr>
-        <p:spPr/>
-        <p:txBody>
-          <a:bodyPr/>
-          <a:lstStyle/>
-          <a:p>
-            <a:fld id="{1B9711E9-D4E5-4710-8438-BA061E3B3551}" type="slidenum">
-              <a:rPr lang="en-GB" smtClean="0"/>
+            <p:ph type="sldNum" sz="quarter" idx="4"/>
+          </p:nvPr>
+        </p:nvSpPr>
+        <p:spPr/>
+        <p:txBody>
+          <a:bodyPr/>
+          <a:lstStyle/>
+          <a:p>
+            <a:fld id="{93AE1883-0942-4AA3-9DB2-9C7C3A0314B1}" type="slidenum">
+              <a:rPr lang="en-US" smtClean="0"/>
               <a:t>‹#›</a:t>
             </a:fld>
-            <a:endParaRPr lang="en-GB"/>
+            <a:endParaRPr lang="en-US"/>
           </a:p>
         </p:txBody>
       </p:sp>
     </p:spTree>
-    <p:extLst>
-      <p:ext uri="{BB962C8B-B14F-4D97-AF65-F5344CB8AC3E}">
-        <p14:creationId xmlns:p14="http://schemas.microsoft.com/office/powerpoint/2010/main" val="600491623"/>
-      </p:ext>
-    </p:extLst>
   </p:cSld>
   <p:clrMapOvr>
     <a:masterClrMapping/>
   </p:clrMapOvr>
+  <p:transition/>
+  <p:timing/>
 </p:sldLayout>
 </file>
 
 <file path=ppt/slideLayouts/slideLayout10.xml><?xml version="1.0" encoding="utf-8"?>
-<p:sldLayout xmlns:a="http://schemas.openxmlformats.org/drawingml/2006/main" xmlns:r="http://schemas.openxmlformats.org/officeDocument/2006/relationships" xmlns:p="http://schemas.openxmlformats.org/presentationml/2006/main" type="vertTx" preserve="1">
+<p:sldLayout xmlns:a="http://schemas.openxmlformats.org/drawingml/2006/main" xmlns:r="http://schemas.openxmlformats.org/officeDocument/2006/relationships" xmlns:p14="http://schemas.microsoft.com/office/powerpoint/2010/main" xmlns:a14="http://schemas.microsoft.com/office/drawing/2010/main" xmlns:p15="http://schemas.microsoft.com/office/powerpoint/2012/main" xmlns:p159="http://schemas.microsoft.com/office/powerpoint/2015/09/main" xmlns:p="http://schemas.openxmlformats.org/presentationml/2006/main" type="vertTx" preserve="1">
   <p:cSld name="Title and Vertical Text">
     <p:spTree>
       <p:nvGrpSpPr>
@@ -312,8 +620,6 @@
         <a:xfrm>
           <a:off x="0" y="0"/>
           <a:ext cx="0" cy="0"/>
-          <a:chOff x="0" y="0"/>
-          <a:chExt cx="0" cy="0"/>
         </a:xfrm>
       </p:grpSpPr>
       <p:sp>
@@ -335,7 +641,7 @@
               <a:rPr lang="en-US" smtClean="0"/>
               <a:t>Click to edit Master title style</a:t>
             </a:r>
-            <a:endParaRPr lang="en-GB"/>
+            <a:endParaRPr lang="en-US"/>
           </a:p>
         </p:txBody>
       </p:sp>
@@ -354,10 +660,9 @@
           <a:bodyPr vert="eaVert"/>
           <a:lstStyle/>
           <a:p>
-            <a:pPr lvl="0"/>
-            <a:r>
-              <a:rPr lang="en-US" smtClean="0"/>
-              <a:t>Edit Master text styles</a:t>
+            <a:r>
+              <a:rPr lang="en-US" smtClean="0"/>
+              <a:t>Click to edit Master text styles</a:t>
             </a:r>
           </a:p>
           <a:p>
@@ -387,7 +692,7 @@
               <a:rPr lang="en-US" smtClean="0"/>
               <a:t>Fifth level</a:t>
             </a:r>
-            <a:endParaRPr lang="en-GB"/>
+            <a:endParaRPr lang="en-US"/>
           </a:p>
         </p:txBody>
       </p:sp>
@@ -398,19 +703,19 @@
             <a:spLocks noGrp="1"/>
           </p:cNvSpPr>
           <p:nvPr>
-            <p:ph type="dt" sz="half" idx="10"/>
-          </p:nvPr>
-        </p:nvSpPr>
-        <p:spPr/>
-        <p:txBody>
-          <a:bodyPr/>
-          <a:lstStyle/>
-          <a:p>
-            <a:fld id="{93E65311-B9FC-4DB5-9359-925C22807714}" type="datetimeFigureOut">
-              <a:rPr lang="en-GB" smtClean="0"/>
-              <a:t>04/05/2018</a:t>
+            <p:ph type="dt" sz="half" idx="2"/>
+          </p:nvPr>
+        </p:nvSpPr>
+        <p:spPr/>
+        <p:txBody>
+          <a:bodyPr/>
+          <a:lstStyle/>
+          <a:p>
+            <a:fld id="{62A4C848-B472-44EE-B8FD-B82D073F5152}" type="datetimeFigureOut">
+              <a:rPr lang="en-US" smtClean="0"/>
+              <a:t>11/7/2009</a:t>
             </a:fld>
-            <a:endParaRPr lang="en-GB"/>
+            <a:endParaRPr lang="en-US"/>
           </a:p>
         </p:txBody>
       </p:sp>
@@ -421,15 +726,15 @@
             <a:spLocks noGrp="1"/>
           </p:cNvSpPr>
           <p:nvPr>
-            <p:ph type="ftr" sz="quarter" idx="11"/>
-          </p:nvPr>
-        </p:nvSpPr>
-        <p:spPr/>
-        <p:txBody>
-          <a:bodyPr/>
-          <a:lstStyle/>
-          <a:p>
-            <a:endParaRPr lang="en-GB"/>
+            <p:ph type="ftr" sz="quarter" idx="3"/>
+          </p:nvPr>
+        </p:nvSpPr>
+        <p:spPr/>
+        <p:txBody>
+          <a:bodyPr/>
+          <a:lstStyle/>
+          <a:p>
+            <a:endParaRPr lang="en-US"/>
           </a:p>
         </p:txBody>
       </p:sp>
@@ -440,37 +745,34 @@
             <a:spLocks noGrp="1"/>
           </p:cNvSpPr>
           <p:nvPr>
-            <p:ph type="sldNum" sz="quarter" idx="12"/>
-          </p:nvPr>
-        </p:nvSpPr>
-        <p:spPr/>
-        <p:txBody>
-          <a:bodyPr/>
-          <a:lstStyle/>
-          <a:p>
-            <a:fld id="{1B9711E9-D4E5-4710-8438-BA061E3B3551}" type="slidenum">
-              <a:rPr lang="en-GB" smtClean="0"/>
+            <p:ph type="sldNum" sz="quarter" idx="4"/>
+          </p:nvPr>
+        </p:nvSpPr>
+        <p:spPr/>
+        <p:txBody>
+          <a:bodyPr/>
+          <a:lstStyle/>
+          <a:p>
+            <a:fld id="{93AE1883-0942-4AA3-9DB2-9C7C3A0314B1}" type="slidenum">
+              <a:rPr lang="en-US" smtClean="0"/>
               <a:t>‹#›</a:t>
             </a:fld>
-            <a:endParaRPr lang="en-GB"/>
+            <a:endParaRPr lang="en-US"/>
           </a:p>
         </p:txBody>
       </p:sp>
     </p:spTree>
-    <p:extLst>
-      <p:ext uri="{BB962C8B-B14F-4D97-AF65-F5344CB8AC3E}">
-        <p14:creationId xmlns:p14="http://schemas.microsoft.com/office/powerpoint/2010/main" val="3981627048"/>
-      </p:ext>
-    </p:extLst>
   </p:cSld>
   <p:clrMapOvr>
     <a:masterClrMapping/>
   </p:clrMapOvr>
+  <p:transition/>
+  <p:timing/>
 </p:sldLayout>
 </file>
 
 <file path=ppt/slideLayouts/slideLayout11.xml><?xml version="1.0" encoding="utf-8"?>
-<p:sldLayout xmlns:a="http://schemas.openxmlformats.org/drawingml/2006/main" xmlns:r="http://schemas.openxmlformats.org/officeDocument/2006/relationships" xmlns:p="http://schemas.openxmlformats.org/presentationml/2006/main" type="vertTitleAndTx" preserve="1">
+<p:sldLayout xmlns:a="http://schemas.openxmlformats.org/drawingml/2006/main" xmlns:r="http://schemas.openxmlformats.org/officeDocument/2006/relationships" xmlns:p14="http://schemas.microsoft.com/office/powerpoint/2010/main" xmlns:a14="http://schemas.microsoft.com/office/drawing/2010/main" xmlns:p15="http://schemas.microsoft.com/office/powerpoint/2012/main" xmlns:p159="http://schemas.microsoft.com/office/powerpoint/2015/09/main" xmlns:p="http://schemas.openxmlformats.org/presentationml/2006/main" type="vertTitleAndTx" preserve="1">
   <p:cSld name="Vertical Title and Text">
     <p:spTree>
       <p:nvGrpSpPr>
@@ -482,8 +784,6 @@
         <a:xfrm>
           <a:off x="0" y="0"/>
           <a:ext cx="0" cy="0"/>
-          <a:chOff x="0" y="0"/>
-          <a:chExt cx="0" cy="0"/>
         </a:xfrm>
       </p:grpSpPr>
       <p:sp>
@@ -496,12 +796,7 @@
             <p:ph type="title" orient="vert"/>
           </p:nvPr>
         </p:nvSpPr>
-        <p:spPr>
-          <a:xfrm>
-            <a:off x="8724900" y="365125"/>
-            <a:ext cx="2628900" cy="5811838"/>
-          </a:xfrm>
-        </p:spPr>
+        <p:spPr/>
         <p:txBody>
           <a:bodyPr vert="eaVert"/>
           <a:lstStyle/>
@@ -510,7 +805,7 @@
               <a:rPr lang="en-US" smtClean="0"/>
               <a:t>Click to edit Master title style</a:t>
             </a:r>
-            <a:endParaRPr lang="en-GB"/>
+            <a:endParaRPr lang="en-US"/>
           </a:p>
         </p:txBody>
       </p:sp>
@@ -524,20 +819,14 @@
             <p:ph type="body" orient="vert" idx="1"/>
           </p:nvPr>
         </p:nvSpPr>
-        <p:spPr>
-          <a:xfrm>
-            <a:off x="838200" y="365125"/>
-            <a:ext cx="7734300" cy="5811838"/>
-          </a:xfrm>
-        </p:spPr>
+        <p:spPr/>
         <p:txBody>
           <a:bodyPr vert="eaVert"/>
           <a:lstStyle/>
           <a:p>
-            <a:pPr lvl="0"/>
-            <a:r>
-              <a:rPr lang="en-US" smtClean="0"/>
-              <a:t>Edit Master text styles</a:t>
+            <a:r>
+              <a:rPr lang="en-US" smtClean="0"/>
+              <a:t>Click to edit Master text styles</a:t>
             </a:r>
           </a:p>
           <a:p>
@@ -567,7 +856,7 @@
               <a:rPr lang="en-US" smtClean="0"/>
               <a:t>Fifth level</a:t>
             </a:r>
-            <a:endParaRPr lang="en-GB"/>
+            <a:endParaRPr lang="en-US"/>
           </a:p>
         </p:txBody>
       </p:sp>
@@ -578,19 +867,19 @@
             <a:spLocks noGrp="1"/>
           </p:cNvSpPr>
           <p:nvPr>
-            <p:ph type="dt" sz="half" idx="10"/>
-          </p:nvPr>
-        </p:nvSpPr>
-        <p:spPr/>
-        <p:txBody>
-          <a:bodyPr/>
-          <a:lstStyle/>
-          <a:p>
-            <a:fld id="{93E65311-B9FC-4DB5-9359-925C22807714}" type="datetimeFigureOut">
-              <a:rPr lang="en-GB" smtClean="0"/>
-              <a:t>04/05/2018</a:t>
+            <p:ph type="dt" sz="half" idx="2"/>
+          </p:nvPr>
+        </p:nvSpPr>
+        <p:spPr/>
+        <p:txBody>
+          <a:bodyPr/>
+          <a:lstStyle/>
+          <a:p>
+            <a:fld id="{CD98C795-6026-4658-8F09-BE59AB82D5D6}" type="datetimeFigureOut">
+              <a:rPr lang="en-US" smtClean="0"/>
+              <a:t>11/7/2009</a:t>
             </a:fld>
-            <a:endParaRPr lang="en-GB"/>
+            <a:endParaRPr lang="en-US"/>
           </a:p>
         </p:txBody>
       </p:sp>
@@ -601,15 +890,15 @@
             <a:spLocks noGrp="1"/>
           </p:cNvSpPr>
           <p:nvPr>
-            <p:ph type="ftr" sz="quarter" idx="11"/>
-          </p:nvPr>
-        </p:nvSpPr>
-        <p:spPr/>
-        <p:txBody>
-          <a:bodyPr/>
-          <a:lstStyle/>
-          <a:p>
-            <a:endParaRPr lang="en-GB"/>
+            <p:ph type="ftr" sz="quarter" idx="3"/>
+          </p:nvPr>
+        </p:nvSpPr>
+        <p:spPr/>
+        <p:txBody>
+          <a:bodyPr/>
+          <a:lstStyle/>
+          <a:p>
+            <a:endParaRPr lang="en-US"/>
           </a:p>
         </p:txBody>
       </p:sp>
@@ -620,37 +909,34 @@
             <a:spLocks noGrp="1"/>
           </p:cNvSpPr>
           <p:nvPr>
-            <p:ph type="sldNum" sz="quarter" idx="12"/>
-          </p:nvPr>
-        </p:nvSpPr>
-        <p:spPr/>
-        <p:txBody>
-          <a:bodyPr/>
-          <a:lstStyle/>
-          <a:p>
-            <a:fld id="{1B9711E9-D4E5-4710-8438-BA061E3B3551}" type="slidenum">
-              <a:rPr lang="en-GB" smtClean="0"/>
+            <p:ph type="sldNum" sz="quarter" idx="4"/>
+          </p:nvPr>
+        </p:nvSpPr>
+        <p:spPr/>
+        <p:txBody>
+          <a:bodyPr/>
+          <a:lstStyle/>
+          <a:p>
+            <a:fld id="{93AE1883-0942-4AA3-9DB2-9C7C3A0314B1}" type="slidenum">
+              <a:rPr lang="en-US" smtClean="0"/>
               <a:t>‹#›</a:t>
             </a:fld>
-            <a:endParaRPr lang="en-GB"/>
+            <a:endParaRPr lang="en-US"/>
           </a:p>
         </p:txBody>
       </p:sp>
     </p:spTree>
-    <p:extLst>
-      <p:ext uri="{BB962C8B-B14F-4D97-AF65-F5344CB8AC3E}">
-        <p14:creationId xmlns:p14="http://schemas.microsoft.com/office/powerpoint/2010/main" val="2071791766"/>
-      </p:ext>
-    </p:extLst>
   </p:cSld>
   <p:clrMapOvr>
     <a:masterClrMapping/>
   </p:clrMapOvr>
+  <p:transition/>
+  <p:timing/>
 </p:sldLayout>
 </file>
 
 <file path=ppt/slideLayouts/slideLayout2.xml><?xml version="1.0" encoding="utf-8"?>
-<p:sldLayout xmlns:a="http://schemas.openxmlformats.org/drawingml/2006/main" xmlns:r="http://schemas.openxmlformats.org/officeDocument/2006/relationships" xmlns:p="http://schemas.openxmlformats.org/presentationml/2006/main" type="obj" preserve="1">
+<p:sldLayout xmlns:a="http://schemas.openxmlformats.org/drawingml/2006/main" xmlns:r="http://schemas.openxmlformats.org/officeDocument/2006/relationships" xmlns:p14="http://schemas.microsoft.com/office/powerpoint/2010/main" xmlns:a14="http://schemas.microsoft.com/office/drawing/2010/main" xmlns:p15="http://schemas.microsoft.com/office/powerpoint/2012/main" xmlns:p159="http://schemas.microsoft.com/office/powerpoint/2015/09/main" xmlns:p="http://schemas.openxmlformats.org/presentationml/2006/main" type="obj" preserve="1">
   <p:cSld name="Title and Content">
     <p:spTree>
       <p:nvGrpSpPr>
@@ -662,8 +948,6 @@
         <a:xfrm>
           <a:off x="0" y="0"/>
           <a:ext cx="0" cy="0"/>
-          <a:chOff x="0" y="0"/>
-          <a:chExt cx="0" cy="0"/>
         </a:xfrm>
       </p:grpSpPr>
       <p:sp>
@@ -685,7 +969,7 @@
               <a:rPr lang="en-US" smtClean="0"/>
               <a:t>Click to edit Master title style</a:t>
             </a:r>
-            <a:endParaRPr lang="en-GB"/>
+            <a:endParaRPr lang="en-US"/>
           </a:p>
         </p:txBody>
       </p:sp>
@@ -704,10 +988,9 @@
           <a:bodyPr/>
           <a:lstStyle/>
           <a:p>
-            <a:pPr lvl="0"/>
-            <a:r>
-              <a:rPr lang="en-US" smtClean="0"/>
-              <a:t>Edit Master text styles</a:t>
+            <a:r>
+              <a:rPr lang="en-US" smtClean="0"/>
+              <a:t>Click to edit Master text styles</a:t>
             </a:r>
           </a:p>
           <a:p>
@@ -737,7 +1020,7 @@
               <a:rPr lang="en-US" smtClean="0"/>
               <a:t>Fifth level</a:t>
             </a:r>
-            <a:endParaRPr lang="en-GB"/>
+            <a:endParaRPr lang="en-US"/>
           </a:p>
         </p:txBody>
       </p:sp>
@@ -748,19 +1031,19 @@
             <a:spLocks noGrp="1"/>
           </p:cNvSpPr>
           <p:nvPr>
-            <p:ph type="dt" sz="half" idx="10"/>
-          </p:nvPr>
-        </p:nvSpPr>
-        <p:spPr/>
-        <p:txBody>
-          <a:bodyPr/>
-          <a:lstStyle/>
-          <a:p>
-            <a:fld id="{93E65311-B9FC-4DB5-9359-925C22807714}" type="datetimeFigureOut">
-              <a:rPr lang="en-GB" smtClean="0"/>
-              <a:t>04/05/2018</a:t>
+            <p:ph type="dt" sz="half" idx="2"/>
+          </p:nvPr>
+        </p:nvSpPr>
+        <p:spPr/>
+        <p:txBody>
+          <a:bodyPr/>
+          <a:lstStyle/>
+          <a:p>
+            <a:fld id="{FFFBEAE2-A42A-496B-BF96-E18AA57DA106}" type="datetimeFigureOut">
+              <a:rPr lang="en-US" smtClean="0"/>
+              <a:t>11/7/2009</a:t>
             </a:fld>
-            <a:endParaRPr lang="en-GB"/>
+            <a:endParaRPr lang="en-US"/>
           </a:p>
         </p:txBody>
       </p:sp>
@@ -771,15 +1054,15 @@
             <a:spLocks noGrp="1"/>
           </p:cNvSpPr>
           <p:nvPr>
-            <p:ph type="ftr" sz="quarter" idx="11"/>
-          </p:nvPr>
-        </p:nvSpPr>
-        <p:spPr/>
-        <p:txBody>
-          <a:bodyPr/>
-          <a:lstStyle/>
-          <a:p>
-            <a:endParaRPr lang="en-GB"/>
+            <p:ph type="ftr" sz="quarter" idx="3"/>
+          </p:nvPr>
+        </p:nvSpPr>
+        <p:spPr/>
+        <p:txBody>
+          <a:bodyPr/>
+          <a:lstStyle/>
+          <a:p>
+            <a:endParaRPr lang="en-US"/>
           </a:p>
         </p:txBody>
       </p:sp>
@@ -790,37 +1073,34 @@
             <a:spLocks noGrp="1"/>
           </p:cNvSpPr>
           <p:nvPr>
-            <p:ph type="sldNum" sz="quarter" idx="12"/>
-          </p:nvPr>
-        </p:nvSpPr>
-        <p:spPr/>
-        <p:txBody>
-          <a:bodyPr/>
-          <a:lstStyle/>
-          <a:p>
-            <a:fld id="{1B9711E9-D4E5-4710-8438-BA061E3B3551}" type="slidenum">
-              <a:rPr lang="en-GB" smtClean="0"/>
+            <p:ph type="sldNum" sz="quarter" idx="4"/>
+          </p:nvPr>
+        </p:nvSpPr>
+        <p:spPr/>
+        <p:txBody>
+          <a:bodyPr/>
+          <a:lstStyle/>
+          <a:p>
+            <a:fld id="{93AE1883-0942-4AA3-9DB2-9C7C3A0314B1}" type="slidenum">
+              <a:rPr lang="en-US" smtClean="0"/>
               <a:t>‹#›</a:t>
             </a:fld>
-            <a:endParaRPr lang="en-GB"/>
+            <a:endParaRPr lang="en-US"/>
           </a:p>
         </p:txBody>
       </p:sp>
     </p:spTree>
-    <p:extLst>
-      <p:ext uri="{BB962C8B-B14F-4D97-AF65-F5344CB8AC3E}">
-        <p14:creationId xmlns:p14="http://schemas.microsoft.com/office/powerpoint/2010/main" val="3809536411"/>
-      </p:ext>
-    </p:extLst>
   </p:cSld>
   <p:clrMapOvr>
     <a:masterClrMapping/>
   </p:clrMapOvr>
+  <p:transition/>
+  <p:timing/>
 </p:sldLayout>
 </file>
 
 <file path=ppt/slideLayouts/slideLayout3.xml><?xml version="1.0" encoding="utf-8"?>
-<p:sldLayout xmlns:a="http://schemas.openxmlformats.org/drawingml/2006/main" xmlns:r="http://schemas.openxmlformats.org/officeDocument/2006/relationships" xmlns:p="http://schemas.openxmlformats.org/presentationml/2006/main" type="secHead" preserve="1">
+<p:sldLayout xmlns:a="http://schemas.openxmlformats.org/drawingml/2006/main" xmlns:r="http://schemas.openxmlformats.org/officeDocument/2006/relationships" xmlns:p14="http://schemas.microsoft.com/office/powerpoint/2010/main" xmlns:a14="http://schemas.microsoft.com/office/drawing/2010/main" xmlns:p15="http://schemas.microsoft.com/office/powerpoint/2012/main" xmlns:p159="http://schemas.microsoft.com/office/powerpoint/2015/09/main" xmlns:p="http://schemas.openxmlformats.org/presentationml/2006/main" type="secHead" preserve="1">
   <p:cSld name="Section Header">
     <p:spTree>
       <p:nvGrpSpPr>
@@ -832,8 +1112,6 @@
         <a:xfrm>
           <a:off x="0" y="0"/>
           <a:ext cx="0" cy="0"/>
-          <a:chOff x="0" y="0"/>
-          <a:chExt cx="0" cy="0"/>
         </a:xfrm>
       </p:grpSpPr>
       <p:sp>
@@ -846,50 +1124,40 @@
             <p:ph type="title"/>
           </p:nvPr>
         </p:nvSpPr>
-        <p:spPr>
-          <a:xfrm>
-            <a:off x="831850" y="1709738"/>
-            <a:ext cx="10515600" cy="2852737"/>
-          </a:xfrm>
-        </p:spPr>
+        <p:spPr/>
+        <p:txBody>
+          <a:bodyPr anchor="t"/>
+          <a:lstStyle>
+            <a:lvl1pPr algn="l">
+              <a:defRPr sz="4000" b="1" cap="all"/>
+            </a:lvl1pPr>
+          </a:lstStyle>
+          <a:p>
+            <a:r>
+              <a:rPr lang="en-US" smtClean="0"/>
+              <a:t>Click to edit Master title style</a:t>
+            </a:r>
+            <a:endParaRPr lang="en-US"/>
+          </a:p>
+        </p:txBody>
+      </p:sp>
+      <p:sp>
+        <p:nvSpPr>
+          <p:cNvPr id="3" name="Text Placeholder 2"/>
+          <p:cNvSpPr>
+            <a:spLocks noGrp="1"/>
+          </p:cNvSpPr>
+          <p:nvPr>
+            <p:ph type="body" idx="1"/>
+          </p:nvPr>
+        </p:nvSpPr>
+        <p:spPr/>
         <p:txBody>
           <a:bodyPr anchor="b"/>
           <a:lstStyle>
-            <a:lvl1pPr>
-              <a:defRPr sz="6000"/>
-            </a:lvl1pPr>
-          </a:lstStyle>
-          <a:p>
-            <a:r>
-              <a:rPr lang="en-US" smtClean="0"/>
-              <a:t>Click to edit Master title style</a:t>
-            </a:r>
-            <a:endParaRPr lang="en-GB"/>
-          </a:p>
-        </p:txBody>
-      </p:sp>
-      <p:sp>
-        <p:nvSpPr>
-          <p:cNvPr id="3" name="Text Placeholder 2"/>
-          <p:cNvSpPr>
-            <a:spLocks noGrp="1"/>
-          </p:cNvSpPr>
-          <p:nvPr>
-            <p:ph type="body" idx="1"/>
-          </p:nvPr>
-        </p:nvSpPr>
-        <p:spPr>
-          <a:xfrm>
-            <a:off x="831850" y="4589463"/>
-            <a:ext cx="10515600" cy="1500187"/>
-          </a:xfrm>
-        </p:spPr>
-        <p:txBody>
-          <a:bodyPr/>
-          <a:lstStyle>
             <a:lvl1pPr marL="0" indent="0">
               <a:buNone/>
-              <a:defRPr sz="2400">
+              <a:defRPr sz="2000">
                 <a:solidFill>
                   <a:schemeClr val="tx1">
                     <a:tint val="75000"/>
@@ -899,7 +1167,7 @@
             </a:lvl1pPr>
             <a:lvl2pPr marL="457200" indent="0">
               <a:buNone/>
-              <a:defRPr sz="2000">
+              <a:defRPr sz="1800">
                 <a:solidFill>
                   <a:schemeClr val="tx1">
                     <a:tint val="75000"/>
@@ -909,7 +1177,7 @@
             </a:lvl2pPr>
             <a:lvl3pPr marL="914400" indent="0">
               <a:buNone/>
-              <a:defRPr sz="1800">
+              <a:defRPr sz="1600">
                 <a:solidFill>
                   <a:schemeClr val="tx1">
                     <a:tint val="75000"/>
@@ -919,7 +1187,7 @@
             </a:lvl3pPr>
             <a:lvl4pPr marL="1371600" indent="0">
               <a:buNone/>
-              <a:defRPr sz="1600">
+              <a:defRPr sz="1400">
                 <a:solidFill>
                   <a:schemeClr val="tx1">
                     <a:tint val="75000"/>
@@ -929,7 +1197,7 @@
             </a:lvl4pPr>
             <a:lvl5pPr marL="1828800" indent="0">
               <a:buNone/>
-              <a:defRPr sz="1600">
+              <a:defRPr sz="1400">
                 <a:solidFill>
                   <a:schemeClr val="tx1">
                     <a:tint val="75000"/>
@@ -939,7 +1207,7 @@
             </a:lvl5pPr>
             <a:lvl6pPr marL="2286000" indent="0">
               <a:buNone/>
-              <a:defRPr sz="1600">
+              <a:defRPr sz="1400">
                 <a:solidFill>
                   <a:schemeClr val="tx1">
                     <a:tint val="75000"/>
@@ -949,7 +1217,7 @@
             </a:lvl6pPr>
             <a:lvl7pPr marL="2743200" indent="0">
               <a:buNone/>
-              <a:defRPr sz="1600">
+              <a:defRPr sz="1400">
                 <a:solidFill>
                   <a:schemeClr val="tx1">
                     <a:tint val="75000"/>
@@ -959,7 +1227,7 @@
             </a:lvl7pPr>
             <a:lvl8pPr marL="3200400" indent="0">
               <a:buNone/>
-              <a:defRPr sz="1600">
+              <a:defRPr sz="1400">
                 <a:solidFill>
                   <a:schemeClr val="tx1">
                     <a:tint val="75000"/>
@@ -969,7 +1237,7 @@
             </a:lvl8pPr>
             <a:lvl9pPr marL="3657600" indent="0">
               <a:buNone/>
-              <a:defRPr sz="1600">
+              <a:defRPr sz="1400">
                 <a:solidFill>
                   <a:schemeClr val="tx1">
                     <a:tint val="75000"/>
@@ -979,10 +1247,9 @@
             </a:lvl9pPr>
           </a:lstStyle>
           <a:p>
-            <a:pPr lvl="0"/>
-            <a:r>
-              <a:rPr lang="en-US" smtClean="0"/>
-              <a:t>Edit Master text styles</a:t>
+            <a:r>
+              <a:rPr lang="en-US" smtClean="0"/>
+              <a:t>Click to edit Master text styles</a:t>
             </a:r>
           </a:p>
         </p:txBody>
@@ -994,19 +1261,19 @@
             <a:spLocks noGrp="1"/>
           </p:cNvSpPr>
           <p:nvPr>
-            <p:ph type="dt" sz="half" idx="10"/>
-          </p:nvPr>
-        </p:nvSpPr>
-        <p:spPr/>
-        <p:txBody>
-          <a:bodyPr/>
-          <a:lstStyle/>
-          <a:p>
-            <a:fld id="{93E65311-B9FC-4DB5-9359-925C22807714}" type="datetimeFigureOut">
-              <a:rPr lang="en-GB" smtClean="0"/>
-              <a:t>04/05/2018</a:t>
+            <p:ph type="dt" sz="half" idx="2"/>
+          </p:nvPr>
+        </p:nvSpPr>
+        <p:spPr/>
+        <p:txBody>
+          <a:bodyPr/>
+          <a:lstStyle/>
+          <a:p>
+            <a:fld id="{1AC99989-EB87-4C50-9362-E39232494A09}" type="datetimeFigureOut">
+              <a:rPr lang="en-US" smtClean="0"/>
+              <a:t>11/7/2009</a:t>
             </a:fld>
-            <a:endParaRPr lang="en-GB"/>
+            <a:endParaRPr lang="en-US"/>
           </a:p>
         </p:txBody>
       </p:sp>
@@ -1017,15 +1284,15 @@
             <a:spLocks noGrp="1"/>
           </p:cNvSpPr>
           <p:nvPr>
-            <p:ph type="ftr" sz="quarter" idx="11"/>
-          </p:nvPr>
-        </p:nvSpPr>
-        <p:spPr/>
-        <p:txBody>
-          <a:bodyPr/>
-          <a:lstStyle/>
-          <a:p>
-            <a:endParaRPr lang="en-GB"/>
+            <p:ph type="ftr" sz="quarter" idx="3"/>
+          </p:nvPr>
+        </p:nvSpPr>
+        <p:spPr/>
+        <p:txBody>
+          <a:bodyPr/>
+          <a:lstStyle/>
+          <a:p>
+            <a:endParaRPr lang="en-US"/>
           </a:p>
         </p:txBody>
       </p:sp>
@@ -1036,37 +1303,34 @@
             <a:spLocks noGrp="1"/>
           </p:cNvSpPr>
           <p:nvPr>
-            <p:ph type="sldNum" sz="quarter" idx="12"/>
-          </p:nvPr>
-        </p:nvSpPr>
-        <p:spPr/>
-        <p:txBody>
-          <a:bodyPr/>
-          <a:lstStyle/>
-          <a:p>
-            <a:fld id="{1B9711E9-D4E5-4710-8438-BA061E3B3551}" type="slidenum">
-              <a:rPr lang="en-GB" smtClean="0"/>
+            <p:ph type="sldNum" sz="quarter" idx="4"/>
+          </p:nvPr>
+        </p:nvSpPr>
+        <p:spPr/>
+        <p:txBody>
+          <a:bodyPr/>
+          <a:lstStyle/>
+          <a:p>
+            <a:fld id="{93AE1883-0942-4AA3-9DB2-9C7C3A0314B1}" type="slidenum">
+              <a:rPr lang="en-US" smtClean="0"/>
               <a:t>‹#›</a:t>
             </a:fld>
-            <a:endParaRPr lang="en-GB"/>
+            <a:endParaRPr lang="en-US"/>
           </a:p>
         </p:txBody>
       </p:sp>
     </p:spTree>
-    <p:extLst>
-      <p:ext uri="{BB962C8B-B14F-4D97-AF65-F5344CB8AC3E}">
-        <p14:creationId xmlns:p14="http://schemas.microsoft.com/office/powerpoint/2010/main" val="3536811447"/>
-      </p:ext>
-    </p:extLst>
   </p:cSld>
   <p:clrMapOvr>
     <a:masterClrMapping/>
   </p:clrMapOvr>
+  <p:transition/>
+  <p:timing/>
 </p:sldLayout>
 </file>
 
 <file path=ppt/slideLayouts/slideLayout4.xml><?xml version="1.0" encoding="utf-8"?>
-<p:sldLayout xmlns:a="http://schemas.openxmlformats.org/drawingml/2006/main" xmlns:r="http://schemas.openxmlformats.org/officeDocument/2006/relationships" xmlns:p="http://schemas.openxmlformats.org/presentationml/2006/main" type="twoObj" preserve="1">
+<p:sldLayout xmlns:a="http://schemas.openxmlformats.org/drawingml/2006/main" xmlns:r="http://schemas.openxmlformats.org/officeDocument/2006/relationships" xmlns:p14="http://schemas.microsoft.com/office/powerpoint/2010/main" xmlns:a14="http://schemas.microsoft.com/office/drawing/2010/main" xmlns:p15="http://schemas.microsoft.com/office/powerpoint/2012/main" xmlns:p159="http://schemas.microsoft.com/office/powerpoint/2015/09/main" xmlns:p="http://schemas.openxmlformats.org/presentationml/2006/main" type="twoObj" preserve="1">
   <p:cSld name="Two Content">
     <p:spTree>
       <p:nvGrpSpPr>
@@ -1078,8 +1342,6 @@
         <a:xfrm>
           <a:off x="0" y="0"/>
           <a:ext cx="0" cy="0"/>
-          <a:chOff x="0" y="0"/>
-          <a:chExt cx="0" cy="0"/>
         </a:xfrm>
       </p:grpSpPr>
       <p:sp>
@@ -1101,7 +1363,7 @@
               <a:rPr lang="en-US" smtClean="0"/>
               <a:t>Click to edit Master title style</a:t>
             </a:r>
-            <a:endParaRPr lang="en-GB"/>
+            <a:endParaRPr lang="en-US"/>
           </a:p>
         </p:txBody>
       </p:sp>
@@ -1115,20 +1377,42 @@
             <p:ph sz="half" idx="1"/>
           </p:nvPr>
         </p:nvSpPr>
-        <p:spPr>
-          <a:xfrm>
-            <a:off x="838200" y="1825625"/>
-            <a:ext cx="5181600" cy="4351338"/>
-          </a:xfrm>
-        </p:spPr>
-        <p:txBody>
-          <a:bodyPr/>
-          <a:lstStyle/>
-          <a:p>
-            <a:pPr lvl="0"/>
-            <a:r>
-              <a:rPr lang="en-US" smtClean="0"/>
-              <a:t>Edit Master text styles</a:t>
+        <p:spPr/>
+        <p:txBody>
+          <a:bodyPr/>
+          <a:lstStyle>
+            <a:lvl1pPr>
+              <a:defRPr sz="2800"/>
+            </a:lvl1pPr>
+            <a:lvl2pPr>
+              <a:defRPr sz="2400"/>
+            </a:lvl2pPr>
+            <a:lvl3pPr>
+              <a:defRPr sz="2000"/>
+            </a:lvl3pPr>
+            <a:lvl4pPr>
+              <a:defRPr sz="1800"/>
+            </a:lvl4pPr>
+            <a:lvl5pPr>
+              <a:defRPr sz="1800"/>
+            </a:lvl5pPr>
+            <a:lvl6pPr>
+              <a:defRPr sz="1800"/>
+            </a:lvl6pPr>
+            <a:lvl7pPr>
+              <a:defRPr sz="1800"/>
+            </a:lvl7pPr>
+            <a:lvl8pPr>
+              <a:defRPr sz="1800"/>
+            </a:lvl8pPr>
+            <a:lvl9pPr>
+              <a:defRPr sz="1800"/>
+            </a:lvl9pPr>
+          </a:lstStyle>
+          <a:p>
+            <a:r>
+              <a:rPr lang="en-US" smtClean="0"/>
+              <a:t>Click to edit Master text styles</a:t>
             </a:r>
           </a:p>
           <a:p>
@@ -1158,7 +1442,7 @@
               <a:rPr lang="en-US" smtClean="0"/>
               <a:t>Fifth level</a:t>
             </a:r>
-            <a:endParaRPr lang="en-GB"/>
+            <a:endParaRPr lang="en-US"/>
           </a:p>
         </p:txBody>
       </p:sp>
@@ -1172,20 +1456,42 @@
             <p:ph sz="half" idx="2"/>
           </p:nvPr>
         </p:nvSpPr>
-        <p:spPr>
-          <a:xfrm>
-            <a:off x="6172200" y="1825625"/>
-            <a:ext cx="5181600" cy="4351338"/>
-          </a:xfrm>
-        </p:spPr>
-        <p:txBody>
-          <a:bodyPr/>
-          <a:lstStyle/>
-          <a:p>
-            <a:pPr lvl="0"/>
-            <a:r>
-              <a:rPr lang="en-US" smtClean="0"/>
-              <a:t>Edit Master text styles</a:t>
+        <p:spPr/>
+        <p:txBody>
+          <a:bodyPr/>
+          <a:lstStyle>
+            <a:lvl1pPr>
+              <a:defRPr sz="2800"/>
+            </a:lvl1pPr>
+            <a:lvl2pPr>
+              <a:defRPr sz="2400"/>
+            </a:lvl2pPr>
+            <a:lvl3pPr>
+              <a:defRPr sz="2000"/>
+            </a:lvl3pPr>
+            <a:lvl4pPr>
+              <a:defRPr sz="1800"/>
+            </a:lvl4pPr>
+            <a:lvl5pPr>
+              <a:defRPr sz="1800"/>
+            </a:lvl5pPr>
+            <a:lvl6pPr>
+              <a:defRPr sz="1800"/>
+            </a:lvl6pPr>
+            <a:lvl7pPr>
+              <a:defRPr sz="1800"/>
+            </a:lvl7pPr>
+            <a:lvl8pPr>
+              <a:defRPr sz="1800"/>
+            </a:lvl8pPr>
+            <a:lvl9pPr>
+              <a:defRPr sz="1800"/>
+            </a:lvl9pPr>
+          </a:lstStyle>
+          <a:p>
+            <a:r>
+              <a:rPr lang="en-US" smtClean="0"/>
+              <a:t>Click to edit Master text styles</a:t>
             </a:r>
           </a:p>
           <a:p>
@@ -1215,7 +1521,7 @@
               <a:rPr lang="en-US" smtClean="0"/>
               <a:t>Fifth level</a:t>
             </a:r>
-            <a:endParaRPr lang="en-GB"/>
+            <a:endParaRPr lang="en-US"/>
           </a:p>
         </p:txBody>
       </p:sp>
@@ -1226,19 +1532,19 @@
             <a:spLocks noGrp="1"/>
           </p:cNvSpPr>
           <p:nvPr>
-            <p:ph type="dt" sz="half" idx="10"/>
-          </p:nvPr>
-        </p:nvSpPr>
-        <p:spPr/>
-        <p:txBody>
-          <a:bodyPr/>
-          <a:lstStyle/>
-          <a:p>
-            <a:fld id="{93E65311-B9FC-4DB5-9359-925C22807714}" type="datetimeFigureOut">
-              <a:rPr lang="en-GB" smtClean="0"/>
-              <a:t>04/05/2018</a:t>
+            <p:ph type="dt" sz="half" idx="3"/>
+          </p:nvPr>
+        </p:nvSpPr>
+        <p:spPr/>
+        <p:txBody>
+          <a:bodyPr/>
+          <a:lstStyle/>
+          <a:p>
+            <a:fld id="{DB1E2DC7-78B8-46B8-9A76-08F3BE83E57B}" type="datetimeFigureOut">
+              <a:rPr lang="en-US" smtClean="0"/>
+              <a:t>11/7/2009</a:t>
             </a:fld>
-            <a:endParaRPr lang="en-GB"/>
+            <a:endParaRPr lang="en-US"/>
           </a:p>
         </p:txBody>
       </p:sp>
@@ -1249,15 +1555,15 @@
             <a:spLocks noGrp="1"/>
           </p:cNvSpPr>
           <p:nvPr>
-            <p:ph type="ftr" sz="quarter" idx="11"/>
-          </p:nvPr>
-        </p:nvSpPr>
-        <p:spPr/>
-        <p:txBody>
-          <a:bodyPr/>
-          <a:lstStyle/>
-          <a:p>
-            <a:endParaRPr lang="en-GB"/>
+            <p:ph type="ftr" sz="quarter" idx="4"/>
+          </p:nvPr>
+        </p:nvSpPr>
+        <p:spPr/>
+        <p:txBody>
+          <a:bodyPr/>
+          <a:lstStyle/>
+          <a:p>
+            <a:endParaRPr lang="en-US"/>
           </a:p>
         </p:txBody>
       </p:sp>
@@ -1268,37 +1574,34 @@
             <a:spLocks noGrp="1"/>
           </p:cNvSpPr>
           <p:nvPr>
-            <p:ph type="sldNum" sz="quarter" idx="12"/>
-          </p:nvPr>
-        </p:nvSpPr>
-        <p:spPr/>
-        <p:txBody>
-          <a:bodyPr/>
-          <a:lstStyle/>
-          <a:p>
-            <a:fld id="{1B9711E9-D4E5-4710-8438-BA061E3B3551}" type="slidenum">
-              <a:rPr lang="en-GB" smtClean="0"/>
+            <p:ph type="sldNum" sz="quarter" idx="5"/>
+          </p:nvPr>
+        </p:nvSpPr>
+        <p:spPr/>
+        <p:txBody>
+          <a:bodyPr/>
+          <a:lstStyle/>
+          <a:p>
+            <a:fld id="{93AE1883-0942-4AA3-9DB2-9C7C3A0314B1}" type="slidenum">
+              <a:rPr lang="en-US" smtClean="0"/>
               <a:t>‹#›</a:t>
             </a:fld>
-            <a:endParaRPr lang="en-GB"/>
+            <a:endParaRPr lang="en-US"/>
           </a:p>
         </p:txBody>
       </p:sp>
     </p:spTree>
-    <p:extLst>
-      <p:ext uri="{BB962C8B-B14F-4D97-AF65-F5344CB8AC3E}">
-        <p14:creationId xmlns:p14="http://schemas.microsoft.com/office/powerpoint/2010/main" val="183494221"/>
-      </p:ext>
-    </p:extLst>
   </p:cSld>
   <p:clrMapOvr>
     <a:masterClrMapping/>
   </p:clrMapOvr>
+  <p:transition/>
+  <p:timing/>
 </p:sldLayout>
 </file>
 
 <file path=ppt/slideLayouts/slideLayout5.xml><?xml version="1.0" encoding="utf-8"?>
-<p:sldLayout xmlns:a="http://schemas.openxmlformats.org/drawingml/2006/main" xmlns:r="http://schemas.openxmlformats.org/officeDocument/2006/relationships" xmlns:p="http://schemas.openxmlformats.org/presentationml/2006/main" type="twoTxTwoObj" preserve="1">
+<p:sldLayout xmlns:a="http://schemas.openxmlformats.org/drawingml/2006/main" xmlns:r="http://schemas.openxmlformats.org/officeDocument/2006/relationships" xmlns:p14="http://schemas.microsoft.com/office/powerpoint/2010/main" xmlns:a14="http://schemas.microsoft.com/office/drawing/2010/main" xmlns:p15="http://schemas.microsoft.com/office/powerpoint/2012/main" xmlns:p159="http://schemas.microsoft.com/office/powerpoint/2015/09/main" xmlns:p="http://schemas.openxmlformats.org/presentationml/2006/main" type="twoTxTwoObj" preserve="1">
   <p:cSld name="Comparison">
     <p:spTree>
       <p:nvGrpSpPr>
@@ -1310,8 +1613,6 @@
         <a:xfrm>
           <a:off x="0" y="0"/>
           <a:ext cx="0" cy="0"/>
-          <a:chOff x="0" y="0"/>
-          <a:chExt cx="0" cy="0"/>
         </a:xfrm>
       </p:grpSpPr>
       <p:sp>
@@ -1324,12 +1625,7 @@
             <p:ph type="title"/>
           </p:nvPr>
         </p:nvSpPr>
-        <p:spPr>
-          <a:xfrm>
-            <a:off x="839788" y="365125"/>
-            <a:ext cx="10515600" cy="1325563"/>
-          </a:xfrm>
-        </p:spPr>
+        <p:spPr/>
         <p:txBody>
           <a:bodyPr/>
           <a:lstStyle/>
@@ -1338,7 +1634,7 @@
               <a:rPr lang="en-US" smtClean="0"/>
               <a:t>Click to edit Master title style</a:t>
             </a:r>
-            <a:endParaRPr lang="en-GB"/>
+            <a:endParaRPr lang="en-US"/>
           </a:p>
         </p:txBody>
       </p:sp>
@@ -1352,12 +1648,7 @@
             <p:ph type="body" idx="1"/>
           </p:nvPr>
         </p:nvSpPr>
-        <p:spPr>
-          <a:xfrm>
-            <a:off x="839788" y="1681163"/>
-            <a:ext cx="5157787" cy="823912"/>
-          </a:xfrm>
-        </p:spPr>
+        <p:spPr/>
         <p:txBody>
           <a:bodyPr anchor="b"/>
           <a:lstStyle>
@@ -1399,10 +1690,9 @@
             </a:lvl9pPr>
           </a:lstStyle>
           <a:p>
-            <a:pPr lvl="0"/>
-            <a:r>
-              <a:rPr lang="en-US" smtClean="0"/>
-              <a:t>Edit Master text styles</a:t>
+            <a:r>
+              <a:rPr lang="en-US" smtClean="0"/>
+              <a:t>Click to edit Master text styles</a:t>
             </a:r>
           </a:p>
         </p:txBody>
@@ -1417,20 +1707,42 @@
             <p:ph sz="half" idx="2"/>
           </p:nvPr>
         </p:nvSpPr>
-        <p:spPr>
-          <a:xfrm>
-            <a:off x="839788" y="2505075"/>
-            <a:ext cx="5157787" cy="3684588"/>
-          </a:xfrm>
-        </p:spPr>
-        <p:txBody>
-          <a:bodyPr/>
-          <a:lstStyle/>
-          <a:p>
-            <a:pPr lvl="0"/>
-            <a:r>
-              <a:rPr lang="en-US" smtClean="0"/>
-              <a:t>Edit Master text styles</a:t>
+        <p:spPr/>
+        <p:txBody>
+          <a:bodyPr/>
+          <a:lstStyle>
+            <a:lvl1pPr>
+              <a:defRPr sz="2400"/>
+            </a:lvl1pPr>
+            <a:lvl2pPr>
+              <a:defRPr sz="2000"/>
+            </a:lvl2pPr>
+            <a:lvl3pPr>
+              <a:defRPr sz="1800"/>
+            </a:lvl3pPr>
+            <a:lvl4pPr>
+              <a:defRPr sz="1600"/>
+            </a:lvl4pPr>
+            <a:lvl5pPr>
+              <a:defRPr sz="1600"/>
+            </a:lvl5pPr>
+            <a:lvl6pPr>
+              <a:defRPr sz="1600"/>
+            </a:lvl6pPr>
+            <a:lvl7pPr>
+              <a:defRPr sz="1600"/>
+            </a:lvl7pPr>
+            <a:lvl8pPr>
+              <a:defRPr sz="1600"/>
+            </a:lvl8pPr>
+            <a:lvl9pPr>
+              <a:defRPr sz="1600"/>
+            </a:lvl9pPr>
+          </a:lstStyle>
+          <a:p>
+            <a:r>
+              <a:rPr lang="en-US" smtClean="0"/>
+              <a:t>Click to edit Master text styles</a:t>
             </a:r>
           </a:p>
           <a:p>
@@ -1460,7 +1772,7 @@
               <a:rPr lang="en-US" smtClean="0"/>
               <a:t>Fifth level</a:t>
             </a:r>
-            <a:endParaRPr lang="en-GB"/>
+            <a:endParaRPr lang="en-US"/>
           </a:p>
         </p:txBody>
       </p:sp>
@@ -1474,12 +1786,7 @@
             <p:ph type="body" sz="quarter" idx="3"/>
           </p:nvPr>
         </p:nvSpPr>
-        <p:spPr>
-          <a:xfrm>
-            <a:off x="6172200" y="1681163"/>
-            <a:ext cx="5183188" cy="823912"/>
-          </a:xfrm>
-        </p:spPr>
+        <p:spPr/>
         <p:txBody>
           <a:bodyPr anchor="b"/>
           <a:lstStyle>
@@ -1521,10 +1828,9 @@
             </a:lvl9pPr>
           </a:lstStyle>
           <a:p>
-            <a:pPr lvl="0"/>
-            <a:r>
-              <a:rPr lang="en-US" smtClean="0"/>
-              <a:t>Edit Master text styles</a:t>
+            <a:r>
+              <a:rPr lang="en-US" smtClean="0"/>
+              <a:t>Click to edit Master text styles</a:t>
             </a:r>
           </a:p>
         </p:txBody>
@@ -1539,20 +1845,42 @@
             <p:ph sz="quarter" idx="4"/>
           </p:nvPr>
         </p:nvSpPr>
-        <p:spPr>
-          <a:xfrm>
-            <a:off x="6172200" y="2505075"/>
-            <a:ext cx="5183188" cy="3684588"/>
-          </a:xfrm>
-        </p:spPr>
-        <p:txBody>
-          <a:bodyPr/>
-          <a:lstStyle/>
-          <a:p>
-            <a:pPr lvl="0"/>
-            <a:r>
-              <a:rPr lang="en-US" smtClean="0"/>
-              <a:t>Edit Master text styles</a:t>
+        <p:spPr/>
+        <p:txBody>
+          <a:bodyPr/>
+          <a:lstStyle>
+            <a:lvl1pPr>
+              <a:defRPr sz="2400"/>
+            </a:lvl1pPr>
+            <a:lvl2pPr>
+              <a:defRPr sz="2000"/>
+            </a:lvl2pPr>
+            <a:lvl3pPr>
+              <a:defRPr sz="1800"/>
+            </a:lvl3pPr>
+            <a:lvl4pPr>
+              <a:defRPr sz="1600"/>
+            </a:lvl4pPr>
+            <a:lvl5pPr>
+              <a:defRPr sz="1600"/>
+            </a:lvl5pPr>
+            <a:lvl6pPr>
+              <a:defRPr sz="1600"/>
+            </a:lvl6pPr>
+            <a:lvl7pPr>
+              <a:defRPr sz="1600"/>
+            </a:lvl7pPr>
+            <a:lvl8pPr>
+              <a:defRPr sz="1600"/>
+            </a:lvl8pPr>
+            <a:lvl9pPr>
+              <a:defRPr sz="1600"/>
+            </a:lvl9pPr>
+          </a:lstStyle>
+          <a:p>
+            <a:r>
+              <a:rPr lang="en-US" smtClean="0"/>
+              <a:t>Click to edit Master text styles</a:t>
             </a:r>
           </a:p>
           <a:p>
@@ -1582,7 +1910,7 @@
               <a:rPr lang="en-US" smtClean="0"/>
               <a:t>Fifth level</a:t>
             </a:r>
-            <a:endParaRPr lang="en-GB"/>
+            <a:endParaRPr lang="en-US"/>
           </a:p>
         </p:txBody>
       </p:sp>
@@ -1593,19 +1921,19 @@
             <a:spLocks noGrp="1"/>
           </p:cNvSpPr>
           <p:nvPr>
-            <p:ph type="dt" sz="half" idx="10"/>
-          </p:nvPr>
-        </p:nvSpPr>
-        <p:spPr/>
-        <p:txBody>
-          <a:bodyPr/>
-          <a:lstStyle/>
-          <a:p>
-            <a:fld id="{93E65311-B9FC-4DB5-9359-925C22807714}" type="datetimeFigureOut">
-              <a:rPr lang="en-GB" smtClean="0"/>
-              <a:t>04/05/2018</a:t>
+            <p:ph type="dt" sz="half" idx="5"/>
+          </p:nvPr>
+        </p:nvSpPr>
+        <p:spPr/>
+        <p:txBody>
+          <a:bodyPr/>
+          <a:lstStyle/>
+          <a:p>
+            <a:fld id="{CC1A0CD6-4701-4747-A7CA-36CE710F1093}" type="datetimeFigureOut">
+              <a:rPr lang="en-US" smtClean="0"/>
+              <a:t>11/7/2009</a:t>
             </a:fld>
-            <a:endParaRPr lang="en-GB"/>
+            <a:endParaRPr lang="en-US"/>
           </a:p>
         </p:txBody>
       </p:sp>
@@ -1616,15 +1944,15 @@
             <a:spLocks noGrp="1"/>
           </p:cNvSpPr>
           <p:nvPr>
-            <p:ph type="ftr" sz="quarter" idx="11"/>
-          </p:nvPr>
-        </p:nvSpPr>
-        <p:spPr/>
-        <p:txBody>
-          <a:bodyPr/>
-          <a:lstStyle/>
-          <a:p>
-            <a:endParaRPr lang="en-GB"/>
+            <p:ph type="ftr" sz="quarter" idx="6"/>
+          </p:nvPr>
+        </p:nvSpPr>
+        <p:spPr/>
+        <p:txBody>
+          <a:bodyPr/>
+          <a:lstStyle/>
+          <a:p>
+            <a:endParaRPr lang="en-US"/>
           </a:p>
         </p:txBody>
       </p:sp>
@@ -1635,37 +1963,34 @@
             <a:spLocks noGrp="1"/>
           </p:cNvSpPr>
           <p:nvPr>
-            <p:ph type="sldNum" sz="quarter" idx="12"/>
-          </p:nvPr>
-        </p:nvSpPr>
-        <p:spPr/>
-        <p:txBody>
-          <a:bodyPr/>
-          <a:lstStyle/>
-          <a:p>
-            <a:fld id="{1B9711E9-D4E5-4710-8438-BA061E3B3551}" type="slidenum">
-              <a:rPr lang="en-GB" smtClean="0"/>
+            <p:ph type="sldNum" sz="quarter" idx="7"/>
+          </p:nvPr>
+        </p:nvSpPr>
+        <p:spPr/>
+        <p:txBody>
+          <a:bodyPr/>
+          <a:lstStyle/>
+          <a:p>
+            <a:fld id="{93AE1883-0942-4AA3-9DB2-9C7C3A0314B1}" type="slidenum">
+              <a:rPr lang="en-US" smtClean="0"/>
               <a:t>‹#›</a:t>
             </a:fld>
-            <a:endParaRPr lang="en-GB"/>
+            <a:endParaRPr lang="en-US"/>
           </a:p>
         </p:txBody>
       </p:sp>
     </p:spTree>
-    <p:extLst>
-      <p:ext uri="{BB962C8B-B14F-4D97-AF65-F5344CB8AC3E}">
-        <p14:creationId xmlns:p14="http://schemas.microsoft.com/office/powerpoint/2010/main" val="3716372442"/>
-      </p:ext>
-    </p:extLst>
   </p:cSld>
   <p:clrMapOvr>
     <a:masterClrMapping/>
   </p:clrMapOvr>
+  <p:transition/>
+  <p:timing/>
 </p:sldLayout>
 </file>
 
 <file path=ppt/slideLayouts/slideLayout6.xml><?xml version="1.0" encoding="utf-8"?>
-<p:sldLayout xmlns:a="http://schemas.openxmlformats.org/drawingml/2006/main" xmlns:r="http://schemas.openxmlformats.org/officeDocument/2006/relationships" xmlns:p="http://schemas.openxmlformats.org/presentationml/2006/main" type="titleOnly" preserve="1">
+<p:sldLayout xmlns:a="http://schemas.openxmlformats.org/drawingml/2006/main" xmlns:r="http://schemas.openxmlformats.org/officeDocument/2006/relationships" xmlns:p14="http://schemas.microsoft.com/office/powerpoint/2010/main" xmlns:a14="http://schemas.microsoft.com/office/drawing/2010/main" xmlns:p15="http://schemas.microsoft.com/office/powerpoint/2012/main" xmlns:p159="http://schemas.microsoft.com/office/powerpoint/2015/09/main" xmlns:p="http://schemas.openxmlformats.org/presentationml/2006/main" type="titleOnly" preserve="1">
   <p:cSld name="Title Only">
     <p:spTree>
       <p:nvGrpSpPr>
@@ -1677,8 +2002,6 @@
         <a:xfrm>
           <a:off x="0" y="0"/>
           <a:ext cx="0" cy="0"/>
-          <a:chOff x="0" y="0"/>
-          <a:chExt cx="0" cy="0"/>
         </a:xfrm>
       </p:grpSpPr>
       <p:sp>
@@ -1700,7 +2023,7 @@
               <a:rPr lang="en-US" smtClean="0"/>
               <a:t>Click to edit Master title style</a:t>
             </a:r>
-            <a:endParaRPr lang="en-GB"/>
+            <a:endParaRPr lang="en-US"/>
           </a:p>
         </p:txBody>
       </p:sp>
@@ -1711,19 +2034,19 @@
             <a:spLocks noGrp="1"/>
           </p:cNvSpPr>
           <p:nvPr>
-            <p:ph type="dt" sz="half" idx="10"/>
-          </p:nvPr>
-        </p:nvSpPr>
-        <p:spPr/>
-        <p:txBody>
-          <a:bodyPr/>
-          <a:lstStyle/>
-          <a:p>
-            <a:fld id="{93E65311-B9FC-4DB5-9359-925C22807714}" type="datetimeFigureOut">
-              <a:rPr lang="en-GB" smtClean="0"/>
-              <a:t>04/05/2018</a:t>
+            <p:ph type="dt" sz="half" idx="1"/>
+          </p:nvPr>
+        </p:nvSpPr>
+        <p:spPr/>
+        <p:txBody>
+          <a:bodyPr/>
+          <a:lstStyle/>
+          <a:p>
+            <a:fld id="{3B7D80E0-5819-418E-BE4D-0AD7E0B756FF}" type="datetimeFigureOut">
+              <a:rPr lang="en-US" smtClean="0"/>
+              <a:t>11/7/2009</a:t>
             </a:fld>
-            <a:endParaRPr lang="en-GB"/>
+            <a:endParaRPr lang="en-US"/>
           </a:p>
         </p:txBody>
       </p:sp>
@@ -1734,15 +2057,15 @@
             <a:spLocks noGrp="1"/>
           </p:cNvSpPr>
           <p:nvPr>
-            <p:ph type="ftr" sz="quarter" idx="11"/>
-          </p:nvPr>
-        </p:nvSpPr>
-        <p:spPr/>
-        <p:txBody>
-          <a:bodyPr/>
-          <a:lstStyle/>
-          <a:p>
-            <a:endParaRPr lang="en-GB"/>
+            <p:ph type="ftr" sz="quarter" idx="2"/>
+          </p:nvPr>
+        </p:nvSpPr>
+        <p:spPr/>
+        <p:txBody>
+          <a:bodyPr/>
+          <a:lstStyle/>
+          <a:p>
+            <a:endParaRPr lang="en-US"/>
           </a:p>
         </p:txBody>
       </p:sp>
@@ -1753,37 +2076,34 @@
             <a:spLocks noGrp="1"/>
           </p:cNvSpPr>
           <p:nvPr>
-            <p:ph type="sldNum" sz="quarter" idx="12"/>
-          </p:nvPr>
-        </p:nvSpPr>
-        <p:spPr/>
-        <p:txBody>
-          <a:bodyPr/>
-          <a:lstStyle/>
-          <a:p>
-            <a:fld id="{1B9711E9-D4E5-4710-8438-BA061E3B3551}" type="slidenum">
-              <a:rPr lang="en-GB" smtClean="0"/>
+            <p:ph type="sldNum" sz="quarter" idx="3"/>
+          </p:nvPr>
+        </p:nvSpPr>
+        <p:spPr/>
+        <p:txBody>
+          <a:bodyPr/>
+          <a:lstStyle/>
+          <a:p>
+            <a:fld id="{93AE1883-0942-4AA3-9DB2-9C7C3A0314B1}" type="slidenum">
+              <a:rPr lang="en-US" smtClean="0"/>
               <a:t>‹#›</a:t>
             </a:fld>
-            <a:endParaRPr lang="en-GB"/>
+            <a:endParaRPr lang="en-US"/>
           </a:p>
         </p:txBody>
       </p:sp>
     </p:spTree>
-    <p:extLst>
-      <p:ext uri="{BB962C8B-B14F-4D97-AF65-F5344CB8AC3E}">
-        <p14:creationId xmlns:p14="http://schemas.microsoft.com/office/powerpoint/2010/main" val="2578810630"/>
-      </p:ext>
-    </p:extLst>
   </p:cSld>
   <p:clrMapOvr>
     <a:masterClrMapping/>
   </p:clrMapOvr>
+  <p:transition/>
+  <p:timing/>
 </p:sldLayout>
 </file>
 
 <file path=ppt/slideLayouts/slideLayout7.xml><?xml version="1.0" encoding="utf-8"?>
-<p:sldLayout xmlns:a="http://schemas.openxmlformats.org/drawingml/2006/main" xmlns:r="http://schemas.openxmlformats.org/officeDocument/2006/relationships" xmlns:p="http://schemas.openxmlformats.org/presentationml/2006/main" type="blank" preserve="1">
+<p:sldLayout xmlns:a="http://schemas.openxmlformats.org/drawingml/2006/main" xmlns:r="http://schemas.openxmlformats.org/officeDocument/2006/relationships" xmlns:p14="http://schemas.microsoft.com/office/powerpoint/2010/main" xmlns:a14="http://schemas.microsoft.com/office/drawing/2010/main" xmlns:p15="http://schemas.microsoft.com/office/powerpoint/2012/main" xmlns:p159="http://schemas.microsoft.com/office/powerpoint/2015/09/main" xmlns:p="http://schemas.openxmlformats.org/presentationml/2006/main" type="blank" preserve="1">
   <p:cSld name="Blank">
     <p:spTree>
       <p:nvGrpSpPr>
@@ -1795,8 +2115,6 @@
         <a:xfrm>
           <a:off x="0" y="0"/>
           <a:ext cx="0" cy="0"/>
-          <a:chOff x="0" y="0"/>
-          <a:chExt cx="0" cy="0"/>
         </a:xfrm>
       </p:grpSpPr>
       <p:sp>
@@ -1806,19 +2124,19 @@
             <a:spLocks noGrp="1"/>
           </p:cNvSpPr>
           <p:nvPr>
-            <p:ph type="dt" sz="half" idx="10"/>
-          </p:nvPr>
-        </p:nvSpPr>
-        <p:spPr/>
-        <p:txBody>
-          <a:bodyPr/>
-          <a:lstStyle/>
-          <a:p>
-            <a:fld id="{93E65311-B9FC-4DB5-9359-925C22807714}" type="datetimeFigureOut">
-              <a:rPr lang="en-GB" smtClean="0"/>
-              <a:t>04/05/2018</a:t>
+            <p:ph type="dt" sz="half"/>
+          </p:nvPr>
+        </p:nvSpPr>
+        <p:spPr/>
+        <p:txBody>
+          <a:bodyPr/>
+          <a:lstStyle/>
+          <a:p>
+            <a:fld id="{739B571E-1130-4B4F-8E79-4B2CF23ED83E}" type="datetimeFigureOut">
+              <a:rPr lang="en-US" smtClean="0"/>
+              <a:t>11/7/2009</a:t>
             </a:fld>
-            <a:endParaRPr lang="en-GB"/>
+            <a:endParaRPr lang="en-US"/>
           </a:p>
         </p:txBody>
       </p:sp>
@@ -1829,15 +2147,15 @@
             <a:spLocks noGrp="1"/>
           </p:cNvSpPr>
           <p:nvPr>
-            <p:ph type="ftr" sz="quarter" idx="11"/>
-          </p:nvPr>
-        </p:nvSpPr>
-        <p:spPr/>
-        <p:txBody>
-          <a:bodyPr/>
-          <a:lstStyle/>
-          <a:p>
-            <a:endParaRPr lang="en-GB"/>
+            <p:ph type="ftr" sz="quarter" idx="1"/>
+          </p:nvPr>
+        </p:nvSpPr>
+        <p:spPr/>
+        <p:txBody>
+          <a:bodyPr/>
+          <a:lstStyle/>
+          <a:p>
+            <a:endParaRPr lang="en-US"/>
           </a:p>
         </p:txBody>
       </p:sp>
@@ -1848,37 +2166,34 @@
             <a:spLocks noGrp="1"/>
           </p:cNvSpPr>
           <p:nvPr>
-            <p:ph type="sldNum" sz="quarter" idx="12"/>
-          </p:nvPr>
-        </p:nvSpPr>
-        <p:spPr/>
-        <p:txBody>
-          <a:bodyPr/>
-          <a:lstStyle/>
-          <a:p>
-            <a:fld id="{1B9711E9-D4E5-4710-8438-BA061E3B3551}" type="slidenum">
-              <a:rPr lang="en-GB" smtClean="0"/>
+            <p:ph type="sldNum" sz="quarter" idx="2"/>
+          </p:nvPr>
+        </p:nvSpPr>
+        <p:spPr/>
+        <p:txBody>
+          <a:bodyPr/>
+          <a:lstStyle/>
+          <a:p>
+            <a:fld id="{93AE1883-0942-4AA3-9DB2-9C7C3A0314B1}" type="slidenum">
+              <a:rPr lang="en-US" smtClean="0"/>
               <a:t>‹#›</a:t>
             </a:fld>
-            <a:endParaRPr lang="en-GB"/>
+            <a:endParaRPr lang="en-US"/>
           </a:p>
         </p:txBody>
       </p:sp>
     </p:spTree>
-    <p:extLst>
-      <p:ext uri="{BB962C8B-B14F-4D97-AF65-F5344CB8AC3E}">
-        <p14:creationId xmlns:p14="http://schemas.microsoft.com/office/powerpoint/2010/main" val="1550990978"/>
-      </p:ext>
-    </p:extLst>
   </p:cSld>
   <p:clrMapOvr>
     <a:masterClrMapping/>
   </p:clrMapOvr>
+  <p:transition/>
+  <p:timing/>
 </p:sldLayout>
 </file>
 
 <file path=ppt/slideLayouts/slideLayout8.xml><?xml version="1.0" encoding="utf-8"?>
-<p:sldLayout xmlns:a="http://schemas.openxmlformats.org/drawingml/2006/main" xmlns:r="http://schemas.openxmlformats.org/officeDocument/2006/relationships" xmlns:p="http://schemas.openxmlformats.org/presentationml/2006/main" type="objTx" preserve="1">
+<p:sldLayout xmlns:a="http://schemas.openxmlformats.org/drawingml/2006/main" xmlns:r="http://schemas.openxmlformats.org/officeDocument/2006/relationships" xmlns:p14="http://schemas.microsoft.com/office/powerpoint/2010/main" xmlns:a14="http://schemas.microsoft.com/office/drawing/2010/main" xmlns:p15="http://schemas.microsoft.com/office/powerpoint/2012/main" xmlns:p159="http://schemas.microsoft.com/office/powerpoint/2015/09/main" xmlns:p="http://schemas.openxmlformats.org/presentationml/2006/main" type="objTx" preserve="1">
   <p:cSld name="Content with Caption">
     <p:spTree>
       <p:nvGrpSpPr>
@@ -1890,8 +2205,6 @@
         <a:xfrm>
           <a:off x="0" y="0"/>
           <a:ext cx="0" cy="0"/>
-          <a:chOff x="0" y="0"/>
-          <a:chExt cx="0" cy="0"/>
         </a:xfrm>
       </p:grpSpPr>
       <p:sp>
@@ -1904,17 +2217,12 @@
             <p:ph type="title"/>
           </p:nvPr>
         </p:nvSpPr>
-        <p:spPr>
-          <a:xfrm>
-            <a:off x="839788" y="457200"/>
-            <a:ext cx="3932237" cy="1600200"/>
-          </a:xfrm>
-        </p:spPr>
+        <p:spPr/>
         <p:txBody>
           <a:bodyPr anchor="b"/>
           <a:lstStyle>
-            <a:lvl1pPr>
-              <a:defRPr sz="3200"/>
+            <a:lvl1pPr algn="l">
+              <a:defRPr sz="2000" b="1"/>
             </a:lvl1pPr>
           </a:lstStyle>
           <a:p>
@@ -1922,7 +2230,7 @@
               <a:rPr lang="en-US" smtClean="0"/>
               <a:t>Click to edit Master title style</a:t>
             </a:r>
-            <a:endParaRPr lang="en-GB"/>
+            <a:endParaRPr lang="en-US"/>
           </a:p>
         </p:txBody>
       </p:sp>
@@ -1936,12 +2244,7 @@
             <p:ph idx="1"/>
           </p:nvPr>
         </p:nvSpPr>
-        <p:spPr>
-          <a:xfrm>
-            <a:off x="5183188" y="987425"/>
-            <a:ext cx="6172200" cy="4873625"/>
-          </a:xfrm>
-        </p:spPr>
+        <p:spPr/>
         <p:txBody>
           <a:bodyPr/>
           <a:lstStyle>
@@ -1974,10 +2277,9 @@
             </a:lvl9pPr>
           </a:lstStyle>
           <a:p>
-            <a:pPr lvl="0"/>
-            <a:r>
-              <a:rPr lang="en-US" smtClean="0"/>
-              <a:t>Edit Master text styles</a:t>
+            <a:r>
+              <a:rPr lang="en-US" smtClean="0"/>
+              <a:t>Click to edit Master text styles</a:t>
             </a:r>
           </a:p>
           <a:p>
@@ -2007,7 +2309,7 @@
               <a:rPr lang="en-US" smtClean="0"/>
               <a:t>Fifth level</a:t>
             </a:r>
-            <a:endParaRPr lang="en-GB"/>
+            <a:endParaRPr lang="en-US"/>
           </a:p>
         </p:txBody>
       </p:sp>
@@ -2021,57 +2323,51 @@
             <p:ph type="body" sz="half" idx="2"/>
           </p:nvPr>
         </p:nvSpPr>
-        <p:spPr>
-          <a:xfrm>
-            <a:off x="839788" y="2057400"/>
-            <a:ext cx="3932237" cy="3811588"/>
-          </a:xfrm>
-        </p:spPr>
+        <p:spPr/>
         <p:txBody>
           <a:bodyPr/>
           <a:lstStyle>
             <a:lvl1pPr marL="0" indent="0">
               <a:buNone/>
-              <a:defRPr sz="1600"/>
+              <a:defRPr sz="1400"/>
             </a:lvl1pPr>
             <a:lvl2pPr marL="457200" indent="0">
               <a:buNone/>
-              <a:defRPr sz="1400"/>
+              <a:defRPr sz="1200"/>
             </a:lvl2pPr>
             <a:lvl3pPr marL="914400" indent="0">
               <a:buNone/>
-              <a:defRPr sz="1200"/>
+              <a:defRPr sz="1000"/>
             </a:lvl3pPr>
             <a:lvl4pPr marL="1371600" indent="0">
               <a:buNone/>
-              <a:defRPr sz="1000"/>
+              <a:defRPr sz="900"/>
             </a:lvl4pPr>
             <a:lvl5pPr marL="1828800" indent="0">
               <a:buNone/>
-              <a:defRPr sz="1000"/>
+              <a:defRPr sz="900"/>
             </a:lvl5pPr>
             <a:lvl6pPr marL="2286000" indent="0">
               <a:buNone/>
-              <a:defRPr sz="1000"/>
+              <a:defRPr sz="900"/>
             </a:lvl6pPr>
             <a:lvl7pPr marL="2743200" indent="0">
               <a:buNone/>
-              <a:defRPr sz="1000"/>
+              <a:defRPr sz="900"/>
             </a:lvl7pPr>
             <a:lvl8pPr marL="3200400" indent="0">
               <a:buNone/>
-              <a:defRPr sz="1000"/>
+              <a:defRPr sz="900"/>
             </a:lvl8pPr>
             <a:lvl9pPr marL="3657600" indent="0">
               <a:buNone/>
-              <a:defRPr sz="1000"/>
+              <a:defRPr sz="900"/>
             </a:lvl9pPr>
           </a:lstStyle>
           <a:p>
-            <a:pPr lvl="0"/>
-            <a:r>
-              <a:rPr lang="en-US" smtClean="0"/>
-              <a:t>Edit Master text styles</a:t>
+            <a:r>
+              <a:rPr lang="en-US" smtClean="0"/>
+              <a:t>Click to edit Master text styles</a:t>
             </a:r>
           </a:p>
         </p:txBody>
@@ -2083,19 +2379,19 @@
             <a:spLocks noGrp="1"/>
           </p:cNvSpPr>
           <p:nvPr>
-            <p:ph type="dt" sz="half" idx="10"/>
-          </p:nvPr>
-        </p:nvSpPr>
-        <p:spPr/>
-        <p:txBody>
-          <a:bodyPr/>
-          <a:lstStyle/>
-          <a:p>
-            <a:fld id="{93E65311-B9FC-4DB5-9359-925C22807714}" type="datetimeFigureOut">
-              <a:rPr lang="en-GB" smtClean="0"/>
-              <a:t>04/05/2018</a:t>
+            <p:ph type="dt" sz="half" idx="3"/>
+          </p:nvPr>
+        </p:nvSpPr>
+        <p:spPr/>
+        <p:txBody>
+          <a:bodyPr/>
+          <a:lstStyle/>
+          <a:p>
+            <a:fld id="{DA794C61-7307-48FE-876B-14396BF12D4A}" type="datetimeFigureOut">
+              <a:rPr lang="en-US" smtClean="0"/>
+              <a:t>11/7/2009</a:t>
             </a:fld>
-            <a:endParaRPr lang="en-GB"/>
+            <a:endParaRPr lang="en-US"/>
           </a:p>
         </p:txBody>
       </p:sp>
@@ -2106,15 +2402,15 @@
             <a:spLocks noGrp="1"/>
           </p:cNvSpPr>
           <p:nvPr>
-            <p:ph type="ftr" sz="quarter" idx="11"/>
-          </p:nvPr>
-        </p:nvSpPr>
-        <p:spPr/>
-        <p:txBody>
-          <a:bodyPr/>
-          <a:lstStyle/>
-          <a:p>
-            <a:endParaRPr lang="en-GB"/>
+            <p:ph type="ftr" sz="quarter" idx="4"/>
+          </p:nvPr>
+        </p:nvSpPr>
+        <p:spPr/>
+        <p:txBody>
+          <a:bodyPr/>
+          <a:lstStyle/>
+          <a:p>
+            <a:endParaRPr lang="en-US"/>
           </a:p>
         </p:txBody>
       </p:sp>
@@ -2125,37 +2421,34 @@
             <a:spLocks noGrp="1"/>
           </p:cNvSpPr>
           <p:nvPr>
-            <p:ph type="sldNum" sz="quarter" idx="12"/>
-          </p:nvPr>
-        </p:nvSpPr>
-        <p:spPr/>
-        <p:txBody>
-          <a:bodyPr/>
-          <a:lstStyle/>
-          <a:p>
-            <a:fld id="{1B9711E9-D4E5-4710-8438-BA061E3B3551}" type="slidenum">
-              <a:rPr lang="en-GB" smtClean="0"/>
+            <p:ph type="sldNum" sz="quarter" idx="5"/>
+          </p:nvPr>
+        </p:nvSpPr>
+        <p:spPr/>
+        <p:txBody>
+          <a:bodyPr/>
+          <a:lstStyle/>
+          <a:p>
+            <a:fld id="{93AE1883-0942-4AA3-9DB2-9C7C3A0314B1}" type="slidenum">
+              <a:rPr lang="en-US" smtClean="0"/>
               <a:t>‹#›</a:t>
             </a:fld>
-            <a:endParaRPr lang="en-GB"/>
+            <a:endParaRPr lang="en-US"/>
           </a:p>
         </p:txBody>
       </p:sp>
     </p:spTree>
-    <p:extLst>
-      <p:ext uri="{BB962C8B-B14F-4D97-AF65-F5344CB8AC3E}">
-        <p14:creationId xmlns:p14="http://schemas.microsoft.com/office/powerpoint/2010/main" val="1911784181"/>
-      </p:ext>
-    </p:extLst>
   </p:cSld>
   <p:clrMapOvr>
     <a:masterClrMapping/>
   </p:clrMapOvr>
+  <p:transition/>
+  <p:timing/>
 </p:sldLayout>
 </file>
 
 <file path=ppt/slideLayouts/slideLayout9.xml><?xml version="1.0" encoding="utf-8"?>
-<p:sldLayout xmlns:a="http://schemas.openxmlformats.org/drawingml/2006/main" xmlns:r="http://schemas.openxmlformats.org/officeDocument/2006/relationships" xmlns:p="http://schemas.openxmlformats.org/presentationml/2006/main" type="picTx" preserve="1">
+<p:sldLayout xmlns:a="http://schemas.openxmlformats.org/drawingml/2006/main" xmlns:r="http://schemas.openxmlformats.org/officeDocument/2006/relationships" xmlns:p14="http://schemas.microsoft.com/office/powerpoint/2010/main" xmlns:a14="http://schemas.microsoft.com/office/drawing/2010/main" xmlns:p15="http://schemas.microsoft.com/office/powerpoint/2012/main" xmlns:p159="http://schemas.microsoft.com/office/powerpoint/2015/09/main" xmlns:p="http://schemas.openxmlformats.org/presentationml/2006/main" type="picTx" preserve="1">
   <p:cSld name="Picture with Caption">
     <p:spTree>
       <p:nvGrpSpPr>
@@ -2167,8 +2460,6 @@
         <a:xfrm>
           <a:off x="0" y="0"/>
           <a:ext cx="0" cy="0"/>
-          <a:chOff x="0" y="0"/>
-          <a:chExt cx="0" cy="0"/>
         </a:xfrm>
       </p:grpSpPr>
       <p:sp>
@@ -2181,17 +2472,12 @@
             <p:ph type="title"/>
           </p:nvPr>
         </p:nvSpPr>
-        <p:spPr>
-          <a:xfrm>
-            <a:off x="839788" y="457200"/>
-            <a:ext cx="3932237" cy="1600200"/>
-          </a:xfrm>
-        </p:spPr>
+        <p:spPr/>
         <p:txBody>
           <a:bodyPr anchor="b"/>
           <a:lstStyle>
-            <a:lvl1pPr>
-              <a:defRPr sz="3200"/>
+            <a:lvl1pPr algn="l">
+              <a:defRPr sz="2000" b="1"/>
             </a:lvl1pPr>
           </a:lstStyle>
           <a:p>
@@ -2199,7 +2485,7 @@
               <a:rPr lang="en-US" smtClean="0"/>
               <a:t>Click to edit Master title style</a:t>
             </a:r>
-            <a:endParaRPr lang="en-GB"/>
+            <a:endParaRPr lang="en-US"/>
           </a:p>
         </p:txBody>
       </p:sp>
@@ -2213,12 +2499,7 @@
             <p:ph type="pic" idx="1"/>
           </p:nvPr>
         </p:nvSpPr>
-        <p:spPr>
-          <a:xfrm>
-            <a:off x="5183188" y="987425"/>
-            <a:ext cx="6172200" cy="4873625"/>
-          </a:xfrm>
-        </p:spPr>
+        <p:spPr/>
         <p:txBody>
           <a:bodyPr/>
           <a:lstStyle>
@@ -2260,7 +2541,7 @@
             </a:lvl9pPr>
           </a:lstStyle>
           <a:p>
-            <a:endParaRPr lang="en-GB"/>
+            <a:endParaRPr lang="en-US"/>
           </a:p>
         </p:txBody>
       </p:sp>
@@ -2274,57 +2555,51 @@
             <p:ph type="body" sz="half" idx="2"/>
           </p:nvPr>
         </p:nvSpPr>
-        <p:spPr>
-          <a:xfrm>
-            <a:off x="839788" y="2057400"/>
-            <a:ext cx="3932237" cy="3811588"/>
-          </a:xfrm>
-        </p:spPr>
+        <p:spPr/>
         <p:txBody>
           <a:bodyPr/>
           <a:lstStyle>
             <a:lvl1pPr marL="0" indent="0">
               <a:buNone/>
-              <a:defRPr sz="1600"/>
+              <a:defRPr sz="1400"/>
             </a:lvl1pPr>
             <a:lvl2pPr marL="457200" indent="0">
               <a:buNone/>
-              <a:defRPr sz="1400"/>
+              <a:defRPr sz="1200"/>
             </a:lvl2pPr>
             <a:lvl3pPr marL="914400" indent="0">
               <a:buNone/>
-              <a:defRPr sz="1200"/>
+              <a:defRPr sz="1000"/>
             </a:lvl3pPr>
             <a:lvl4pPr marL="1371600" indent="0">
               <a:buNone/>
-              <a:defRPr sz="1000"/>
+              <a:defRPr sz="900"/>
             </a:lvl4pPr>
             <a:lvl5pPr marL="1828800" indent="0">
               <a:buNone/>
-              <a:defRPr sz="1000"/>
+              <a:defRPr sz="900"/>
             </a:lvl5pPr>
             <a:lvl6pPr marL="2286000" indent="0">
               <a:buNone/>
-              <a:defRPr sz="1000"/>
+              <a:defRPr sz="900"/>
             </a:lvl6pPr>
             <a:lvl7pPr marL="2743200" indent="0">
               <a:buNone/>
-              <a:defRPr sz="1000"/>
+              <a:defRPr sz="900"/>
             </a:lvl7pPr>
             <a:lvl8pPr marL="3200400" indent="0">
               <a:buNone/>
-              <a:defRPr sz="1000"/>
+              <a:defRPr sz="900"/>
             </a:lvl8pPr>
             <a:lvl9pPr marL="3657600" indent="0">
               <a:buNone/>
-              <a:defRPr sz="1000"/>
+              <a:defRPr sz="900"/>
             </a:lvl9pPr>
           </a:lstStyle>
           <a:p>
-            <a:pPr lvl="0"/>
-            <a:r>
-              <a:rPr lang="en-US" smtClean="0"/>
-              <a:t>Edit Master text styles</a:t>
+            <a:r>
+              <a:rPr lang="en-US" smtClean="0"/>
+              <a:t>Click to edit Master text styles</a:t>
             </a:r>
           </a:p>
         </p:txBody>
@@ -2336,19 +2611,19 @@
             <a:spLocks noGrp="1"/>
           </p:cNvSpPr>
           <p:nvPr>
-            <p:ph type="dt" sz="half" idx="10"/>
-          </p:nvPr>
-        </p:nvSpPr>
-        <p:spPr/>
-        <p:txBody>
-          <a:bodyPr/>
-          <a:lstStyle/>
-          <a:p>
-            <a:fld id="{93E65311-B9FC-4DB5-9359-925C22807714}" type="datetimeFigureOut">
-              <a:rPr lang="en-GB" smtClean="0"/>
-              <a:t>04/05/2018</a:t>
+            <p:ph type="dt" sz="half" idx="3"/>
+          </p:nvPr>
+        </p:nvSpPr>
+        <p:spPr/>
+        <p:txBody>
+          <a:bodyPr/>
+          <a:lstStyle/>
+          <a:p>
+            <a:fld id="{884FD7B9-8EE9-478A-84A9-B0DFF1D87ED3}" type="datetimeFigureOut">
+              <a:rPr lang="en-US" smtClean="0"/>
+              <a:t>11/7/2009</a:t>
             </a:fld>
-            <a:endParaRPr lang="en-GB"/>
+            <a:endParaRPr lang="en-US"/>
           </a:p>
         </p:txBody>
       </p:sp>
@@ -2359,15 +2634,15 @@
             <a:spLocks noGrp="1"/>
           </p:cNvSpPr>
           <p:nvPr>
-            <p:ph type="ftr" sz="quarter" idx="11"/>
-          </p:nvPr>
-        </p:nvSpPr>
-        <p:spPr/>
-        <p:txBody>
-          <a:bodyPr/>
-          <a:lstStyle/>
-          <a:p>
-            <a:endParaRPr lang="en-GB"/>
+            <p:ph type="ftr" sz="quarter" idx="4"/>
+          </p:nvPr>
+        </p:nvSpPr>
+        <p:spPr/>
+        <p:txBody>
+          <a:bodyPr/>
+          <a:lstStyle/>
+          <a:p>
+            <a:endParaRPr lang="en-US"/>
           </a:p>
         </p:txBody>
       </p:sp>
@@ -2378,37 +2653,34 @@
             <a:spLocks noGrp="1"/>
           </p:cNvSpPr>
           <p:nvPr>
-            <p:ph type="sldNum" sz="quarter" idx="12"/>
-          </p:nvPr>
-        </p:nvSpPr>
-        <p:spPr/>
-        <p:txBody>
-          <a:bodyPr/>
-          <a:lstStyle/>
-          <a:p>
-            <a:fld id="{1B9711E9-D4E5-4710-8438-BA061E3B3551}" type="slidenum">
-              <a:rPr lang="en-GB" smtClean="0"/>
+            <p:ph type="sldNum" sz="quarter" idx="5"/>
+          </p:nvPr>
+        </p:nvSpPr>
+        <p:spPr/>
+        <p:txBody>
+          <a:bodyPr/>
+          <a:lstStyle/>
+          <a:p>
+            <a:fld id="{93AE1883-0942-4AA3-9DB2-9C7C3A0314B1}" type="slidenum">
+              <a:rPr lang="en-US" smtClean="0"/>
               <a:t>‹#›</a:t>
             </a:fld>
-            <a:endParaRPr lang="en-GB"/>
+            <a:endParaRPr lang="en-US"/>
           </a:p>
         </p:txBody>
       </p:sp>
     </p:spTree>
-    <p:extLst>
-      <p:ext uri="{BB962C8B-B14F-4D97-AF65-F5344CB8AC3E}">
-        <p14:creationId xmlns:p14="http://schemas.microsoft.com/office/powerpoint/2010/main" val="2174982004"/>
-      </p:ext>
-    </p:extLst>
   </p:cSld>
   <p:clrMapOvr>
     <a:masterClrMapping/>
   </p:clrMapOvr>
+  <p:transition/>
+  <p:timing/>
 </p:sldLayout>
 </file>
 
 <file path=ppt/slideMasters/slideMaster1.xml><?xml version="1.0" encoding="utf-8"?>
-<p:sldMaster xmlns:a="http://schemas.openxmlformats.org/drawingml/2006/main" xmlns:r="http://schemas.openxmlformats.org/officeDocument/2006/relationships" xmlns:p="http://schemas.openxmlformats.org/presentationml/2006/main">
+<p:sldMaster xmlns:a="http://schemas.openxmlformats.org/drawingml/2006/main" xmlns:r="http://schemas.openxmlformats.org/officeDocument/2006/relationships" xmlns:p14="http://schemas.microsoft.com/office/powerpoint/2010/main" xmlns:a14="http://schemas.microsoft.com/office/drawing/2010/main" xmlns:p15="http://schemas.microsoft.com/office/powerpoint/2012/main" xmlns:p159="http://schemas.microsoft.com/office/powerpoint/2015/09/main" xmlns:p="http://schemas.openxmlformats.org/presentationml/2006/main">
   <p:cSld>
     <p:bg>
       <p:bgRef idx="1001">
@@ -2425,8 +2697,6 @@
         <a:xfrm>
           <a:off x="0" y="0"/>
           <a:ext cx="0" cy="0"/>
-          <a:chOff x="0" y="0"/>
-          <a:chExt cx="0" cy="0"/>
         </a:xfrm>
       </p:grpSpPr>
       <p:sp>
@@ -2441,8 +2711,8 @@
         </p:nvSpPr>
         <p:spPr>
           <a:xfrm>
-            <a:off x="838200" y="365125"/>
-            <a:ext cx="10515600" cy="1325563"/>
+            <a:off x="457200" y="274638"/>
+            <a:ext cx="8229600" cy="1143000"/>
           </a:xfrm>
           <a:prstGeom prst="rect">
             <a:avLst/>
@@ -2458,7 +2728,7 @@
               <a:rPr lang="en-US" smtClean="0"/>
               <a:t>Click to edit Master title style</a:t>
             </a:r>
-            <a:endParaRPr lang="en-GB"/>
+            <a:endParaRPr lang="en-US"/>
           </a:p>
         </p:txBody>
       </p:sp>
@@ -2474,8 +2744,8 @@
         </p:nvSpPr>
         <p:spPr>
           <a:xfrm>
-            <a:off x="838200" y="1825625"/>
-            <a:ext cx="10515600" cy="4351338"/>
+            <a:off x="457200" y="1600200"/>
+            <a:ext cx="8229600" cy="4525963"/>
           </a:xfrm>
           <a:prstGeom prst="rect">
             <a:avLst/>
@@ -2487,10 +2757,9 @@
           </a:bodyPr>
           <a:lstStyle/>
           <a:p>
-            <a:pPr lvl="0"/>
-            <a:r>
-              <a:rPr lang="en-US" smtClean="0"/>
-              <a:t>Edit Master text styles</a:t>
+            <a:r>
+              <a:rPr lang="en-US" smtClean="0"/>
+              <a:t>Click to edit Master text styles</a:t>
             </a:r>
           </a:p>
           <a:p>
@@ -2520,7 +2789,7 @@
               <a:rPr lang="en-US" smtClean="0"/>
               <a:t>Fifth level</a:t>
             </a:r>
-            <a:endParaRPr lang="en-GB"/>
+            <a:endParaRPr lang="en-US"/>
           </a:p>
         </p:txBody>
       </p:sp>
@@ -2536,8 +2805,8 @@
         </p:nvSpPr>
         <p:spPr>
           <a:xfrm>
-            <a:off x="838200" y="6356350"/>
-            <a:ext cx="2743200" cy="365125"/>
+            <a:off x="457200" y="6356350"/>
+            <a:ext cx="2133600" cy="365125"/>
           </a:xfrm>
           <a:prstGeom prst="rect">
             <a:avLst/>
@@ -2557,11 +2826,11 @@
             </a:lvl1pPr>
           </a:lstStyle>
           <a:p>
-            <a:fld id="{93E65311-B9FC-4DB5-9359-925C22807714}" type="datetimeFigureOut">
-              <a:rPr lang="en-GB" smtClean="0"/>
-              <a:t>04/05/2018</a:t>
+            <a:fld id="{E8FD0B7A-F5DD-4F40-B4CB-3B2C354B893A}" type="datetimeFigureOut">
+              <a:rPr lang="en-US" smtClean="0"/>
+              <a:t>11/7/2009</a:t>
             </a:fld>
-            <a:endParaRPr lang="en-GB"/>
+            <a:endParaRPr lang="en-US"/>
           </a:p>
         </p:txBody>
       </p:sp>
@@ -2577,8 +2846,8 @@
         </p:nvSpPr>
         <p:spPr>
           <a:xfrm>
-            <a:off x="4038600" y="6356350"/>
-            <a:ext cx="4114800" cy="365125"/>
+            <a:off x="3124200" y="6356350"/>
+            <a:ext cx="2895600" cy="365125"/>
           </a:xfrm>
           <a:prstGeom prst="rect">
             <a:avLst/>
@@ -2598,7 +2867,7 @@
             </a:lvl1pPr>
           </a:lstStyle>
           <a:p>
-            <a:endParaRPr lang="en-GB"/>
+            <a:endParaRPr lang="en-US"/>
           </a:p>
         </p:txBody>
       </p:sp>
@@ -2614,8 +2883,8 @@
         </p:nvSpPr>
         <p:spPr>
           <a:xfrm>
-            <a:off x="8610600" y="6356350"/>
-            <a:ext cx="2743200" cy="365125"/>
+            <a:off x="6553200" y="6356350"/>
+            <a:ext cx="2133600" cy="365125"/>
           </a:xfrm>
           <a:prstGeom prst="rect">
             <a:avLst/>
@@ -2635,20 +2904,15 @@
             </a:lvl1pPr>
           </a:lstStyle>
           <a:p>
-            <a:fld id="{1B9711E9-D4E5-4710-8438-BA061E3B3551}" type="slidenum">
-              <a:rPr lang="en-GB" smtClean="0"/>
+            <a:fld id="{93AE1883-0942-4AA3-9DB2-9C7C3A0314B1}" type="slidenum">
+              <a:rPr lang="en-US" smtClean="0"/>
               <a:t>‹#›</a:t>
             </a:fld>
-            <a:endParaRPr lang="en-GB"/>
+            <a:endParaRPr lang="en-US"/>
           </a:p>
         </p:txBody>
       </p:sp>
     </p:spTree>
-    <p:extLst>
-      <p:ext uri="{BB962C8B-B14F-4D97-AF65-F5344CB8AC3E}">
-        <p14:creationId xmlns:p14="http://schemas.microsoft.com/office/powerpoint/2010/main" val="3602968343"/>
-      </p:ext>
-    </p:extLst>
   </p:cSld>
   <p:clrMap bg1="lt1" tx1="dk1" bg2="lt2" tx2="dk2" accent1="accent1" accent2="accent2" accent3="accent3" accent4="accent4" accent5="accent5" accent6="accent6" hlink="hlink" folHlink="folHlink"/>
   <p:sldLayoutIdLst>
@@ -2664,12 +2928,11 @@
     <p:sldLayoutId id="2147483658" r:id="rId10"/>
     <p:sldLayoutId id="2147483659" r:id="rId11"/>
   </p:sldLayoutIdLst>
+  <p:transition/>
+  <p:timing/>
   <p:txStyles>
     <p:titleStyle>
-      <a:lvl1pPr algn="l" defTabSz="914400" rtl="0" eaLnBrk="1" latinLnBrk="0" hangingPunct="1">
-        <a:lnSpc>
-          <a:spcPct val="90000"/>
-        </a:lnSpc>
+      <a:lvl1pPr algn="ctr" defTabSz="914400" rtl="0" eaLnBrk="1" latinLnBrk="0" hangingPunct="1">
         <a:spcBef>
           <a:spcPct val="0"/>
         </a:spcBef>
@@ -2685,15 +2948,27 @@
       </a:lvl1pPr>
     </p:titleStyle>
     <p:bodyStyle>
-      <a:lvl1pPr marL="228600" indent="-228600" algn="l" defTabSz="914400" rtl="0" eaLnBrk="1" latinLnBrk="0" hangingPunct="1">
-        <a:lnSpc>
-          <a:spcPct val="90000"/>
-        </a:lnSpc>
+      <a:lvl1pPr marL="342900" indent="-342900" algn="l" defTabSz="914400" rtl="0" eaLnBrk="1" latinLnBrk="0" hangingPunct="1">
         <a:spcBef>
-          <a:spcPts val="1000"/>
+          <a:spcPct val="20000"/>
         </a:spcBef>
-        <a:buFont typeface="Arial" panose="020B0604020202020204" pitchFamily="34" charset="0"/>
+        <a:buFont typeface="Arial" pitchFamily="34" charset="0"/>
         <a:buChar char="•"/>
+        <a:defRPr sz="3200" kern="1200">
+          <a:solidFill>
+            <a:schemeClr val="tx1"/>
+          </a:solidFill>
+          <a:latin typeface="+mn-lt"/>
+          <a:ea typeface="+mn-ea"/>
+          <a:cs typeface="+mn-cs"/>
+        </a:defRPr>
+      </a:lvl1pPr>
+      <a:lvl2pPr marL="742950" indent="-285750" algn="l" defTabSz="914400" rtl="0" eaLnBrk="1" latinLnBrk="0" hangingPunct="1">
+        <a:spcBef>
+          <a:spcPct val="20000"/>
+        </a:spcBef>
+        <a:buFont typeface="Arial" pitchFamily="34" charset="0"/>
+        <a:buChar char="–"/>
         <a:defRPr sz="2800" kern="1200">
           <a:solidFill>
             <a:schemeClr val="tx1"/>
@@ -2702,15 +2977,12 @@
           <a:ea typeface="+mn-ea"/>
           <a:cs typeface="+mn-cs"/>
         </a:defRPr>
-      </a:lvl1pPr>
-      <a:lvl2pPr marL="685800" indent="-228600" algn="l" defTabSz="914400" rtl="0" eaLnBrk="1" latinLnBrk="0" hangingPunct="1">
-        <a:lnSpc>
-          <a:spcPct val="90000"/>
-        </a:lnSpc>
+      </a:lvl2pPr>
+      <a:lvl3pPr marL="1143000" indent="-228600" algn="l" defTabSz="914400" rtl="0" eaLnBrk="1" latinLnBrk="0" hangingPunct="1">
         <a:spcBef>
-          <a:spcPts val="500"/>
+          <a:spcPct val="20000"/>
         </a:spcBef>
-        <a:buFont typeface="Arial" panose="020B0604020202020204" pitchFamily="34" charset="0"/>
+        <a:buFont typeface="Arial" pitchFamily="34" charset="0"/>
         <a:buChar char="•"/>
         <a:defRPr sz="2400" kern="1200">
           <a:solidFill>
@@ -2720,15 +2992,42 @@
           <a:ea typeface="+mn-ea"/>
           <a:cs typeface="+mn-cs"/>
         </a:defRPr>
-      </a:lvl2pPr>
-      <a:lvl3pPr marL="1143000" indent="-228600" algn="l" defTabSz="914400" rtl="0" eaLnBrk="1" latinLnBrk="0" hangingPunct="1">
-        <a:lnSpc>
-          <a:spcPct val="90000"/>
-        </a:lnSpc>
+      </a:lvl3pPr>
+      <a:lvl4pPr marL="1600200" indent="-228600" algn="l" defTabSz="914400" rtl="0" eaLnBrk="1" latinLnBrk="0" hangingPunct="1">
         <a:spcBef>
-          <a:spcPts val="500"/>
+          <a:spcPct val="20000"/>
         </a:spcBef>
-        <a:buFont typeface="Arial" panose="020B0604020202020204" pitchFamily="34" charset="0"/>
+        <a:buFont typeface="Arial" pitchFamily="34" charset="0"/>
+        <a:buChar char="–"/>
+        <a:defRPr sz="2000" kern="1200">
+          <a:solidFill>
+            <a:schemeClr val="tx1"/>
+          </a:solidFill>
+          <a:latin typeface="+mn-lt"/>
+          <a:ea typeface="+mn-ea"/>
+          <a:cs typeface="+mn-cs"/>
+        </a:defRPr>
+      </a:lvl4pPr>
+      <a:lvl5pPr marL="2057400" indent="-228600" algn="l" defTabSz="914400" rtl="0" eaLnBrk="1" latinLnBrk="0" hangingPunct="1">
+        <a:spcBef>
+          <a:spcPct val="20000"/>
+        </a:spcBef>
+        <a:buFont typeface="Arial" pitchFamily="34" charset="0"/>
+        <a:buChar char="»"/>
+        <a:defRPr sz="2000" kern="1200">
+          <a:solidFill>
+            <a:schemeClr val="tx1"/>
+          </a:solidFill>
+          <a:latin typeface="+mn-lt"/>
+          <a:ea typeface="+mn-ea"/>
+          <a:cs typeface="+mn-cs"/>
+        </a:defRPr>
+      </a:lvl5pPr>
+      <a:lvl6pPr marL="2514600" indent="-228600" algn="l" defTabSz="914400" rtl="0" eaLnBrk="1" latinLnBrk="0" hangingPunct="1">
+        <a:spcBef>
+          <a:spcPct val="20000"/>
+        </a:spcBef>
+        <a:buFont typeface="Arial" pitchFamily="34" charset="0"/>
         <a:buChar char="•"/>
         <a:defRPr sz="2000" kern="1200">
           <a:solidFill>
@@ -2738,71 +3037,14 @@
           <a:ea typeface="+mn-ea"/>
           <a:cs typeface="+mn-cs"/>
         </a:defRPr>
-      </a:lvl3pPr>
-      <a:lvl4pPr marL="1600200" indent="-228600" algn="l" defTabSz="914400" rtl="0" eaLnBrk="1" latinLnBrk="0" hangingPunct="1">
-        <a:lnSpc>
-          <a:spcPct val="90000"/>
-        </a:lnSpc>
-        <a:spcBef>
-          <a:spcPts val="500"/>
-        </a:spcBef>
-        <a:buFont typeface="Arial" panose="020B0604020202020204" pitchFamily="34" charset="0"/>
-        <a:buChar char="•"/>
-        <a:defRPr sz="1800" kern="1200">
-          <a:solidFill>
-            <a:schemeClr val="tx1"/>
-          </a:solidFill>
-          <a:latin typeface="+mn-lt"/>
-          <a:ea typeface="+mn-ea"/>
-          <a:cs typeface="+mn-cs"/>
-        </a:defRPr>
-      </a:lvl4pPr>
-      <a:lvl5pPr marL="2057400" indent="-228600" algn="l" defTabSz="914400" rtl="0" eaLnBrk="1" latinLnBrk="0" hangingPunct="1">
-        <a:lnSpc>
-          <a:spcPct val="90000"/>
-        </a:lnSpc>
-        <a:spcBef>
-          <a:spcPts val="500"/>
-        </a:spcBef>
-        <a:buFont typeface="Arial" panose="020B0604020202020204" pitchFamily="34" charset="0"/>
-        <a:buChar char="•"/>
-        <a:defRPr sz="1800" kern="1200">
-          <a:solidFill>
-            <a:schemeClr val="tx1"/>
-          </a:solidFill>
-          <a:latin typeface="+mn-lt"/>
-          <a:ea typeface="+mn-ea"/>
-          <a:cs typeface="+mn-cs"/>
-        </a:defRPr>
-      </a:lvl5pPr>
-      <a:lvl6pPr marL="2514600" indent="-228600" algn="l" defTabSz="914400" rtl="0" eaLnBrk="1" latinLnBrk="0" hangingPunct="1">
-        <a:lnSpc>
-          <a:spcPct val="90000"/>
-        </a:lnSpc>
-        <a:spcBef>
-          <a:spcPts val="500"/>
-        </a:spcBef>
-        <a:buFont typeface="Arial" panose="020B0604020202020204" pitchFamily="34" charset="0"/>
-        <a:buChar char="•"/>
-        <a:defRPr sz="1800" kern="1200">
-          <a:solidFill>
-            <a:schemeClr val="tx1"/>
-          </a:solidFill>
-          <a:latin typeface="+mn-lt"/>
-          <a:ea typeface="+mn-ea"/>
-          <a:cs typeface="+mn-cs"/>
-        </a:defRPr>
       </a:lvl6pPr>
       <a:lvl7pPr marL="2971800" indent="-228600" algn="l" defTabSz="914400" rtl="0" eaLnBrk="1" latinLnBrk="0" hangingPunct="1">
-        <a:lnSpc>
-          <a:spcPct val="90000"/>
-        </a:lnSpc>
         <a:spcBef>
-          <a:spcPts val="500"/>
+          <a:spcPct val="20000"/>
         </a:spcBef>
-        <a:buFont typeface="Arial" panose="020B0604020202020204" pitchFamily="34" charset="0"/>
+        <a:buFont typeface="Arial" pitchFamily="34" charset="0"/>
         <a:buChar char="•"/>
-        <a:defRPr sz="1800" kern="1200">
+        <a:defRPr sz="2000" kern="1200">
           <a:solidFill>
             <a:schemeClr val="tx1"/>
           </a:solidFill>
@@ -2812,15 +3054,12 @@
         </a:defRPr>
       </a:lvl7pPr>
       <a:lvl8pPr marL="3429000" indent="-228600" algn="l" defTabSz="914400" rtl="0" eaLnBrk="1" latinLnBrk="0" hangingPunct="1">
-        <a:lnSpc>
-          <a:spcPct val="90000"/>
-        </a:lnSpc>
         <a:spcBef>
-          <a:spcPts val="500"/>
+          <a:spcPct val="20000"/>
         </a:spcBef>
-        <a:buFont typeface="Arial" panose="020B0604020202020204" pitchFamily="34" charset="0"/>
+        <a:buFont typeface="Arial" pitchFamily="34" charset="0"/>
         <a:buChar char="•"/>
-        <a:defRPr sz="1800" kern="1200">
+        <a:defRPr sz="2000" kern="1200">
           <a:solidFill>
             <a:schemeClr val="tx1"/>
           </a:solidFill>
@@ -2830,15 +3069,12 @@
         </a:defRPr>
       </a:lvl8pPr>
       <a:lvl9pPr marL="3886200" indent="-228600" algn="l" defTabSz="914400" rtl="0" eaLnBrk="1" latinLnBrk="0" hangingPunct="1">
-        <a:lnSpc>
-          <a:spcPct val="90000"/>
-        </a:lnSpc>
         <a:spcBef>
-          <a:spcPts val="500"/>
+          <a:spcPct val="20000"/>
         </a:spcBef>
-        <a:buFont typeface="Arial" panose="020B0604020202020204" pitchFamily="34" charset="0"/>
+        <a:buFont typeface="Arial" pitchFamily="34" charset="0"/>
         <a:buChar char="•"/>
-        <a:defRPr sz="1800" kern="1200">
+        <a:defRPr sz="2000" kern="1200">
           <a:solidFill>
             <a:schemeClr val="tx1"/>
           </a:solidFill>
@@ -2948,8 +3184,8 @@
 </file>
 
 <file path=ppt/slides/slide1.xml><?xml version="1.0" encoding="utf-8"?>
-<p:sld xmlns:a="http://schemas.openxmlformats.org/drawingml/2006/main" xmlns:r="http://schemas.openxmlformats.org/officeDocument/2006/relationships" xmlns:p="http://schemas.openxmlformats.org/presentationml/2006/main">
-  <p:cSld>
+<p:sld xmlns:a="http://schemas.openxmlformats.org/drawingml/2006/main" xmlns:r="http://schemas.openxmlformats.org/officeDocument/2006/relationships" xmlns:p14="http://schemas.microsoft.com/office/powerpoint/2010/main" xmlns:a14="http://schemas.microsoft.com/office/drawing/2010/main" xmlns:p15="http://schemas.microsoft.com/office/powerpoint/2012/main" xmlns:p159="http://schemas.microsoft.com/office/powerpoint/2015/09/main" xmlns:p="http://schemas.openxmlformats.org/presentationml/2006/main">
+  <p:cSld name="">
     <p:spTree>
       <p:nvGrpSpPr>
         <p:cNvPr id="1" name=""/>
@@ -2960,63 +3196,46 @@
         <a:xfrm>
           <a:off x="0" y="0"/>
           <a:ext cx="0" cy="0"/>
-          <a:chOff x="0" y="0"/>
-          <a:chExt cx="0" cy="0"/>
         </a:xfrm>
       </p:grpSpPr>
-      <p:sp>
-        <p:nvSpPr>
-          <p:cNvPr id="2" name="Title 1"/>
-          <p:cNvSpPr>
-            <a:spLocks noGrp="1"/>
-          </p:cNvSpPr>
-          <p:nvPr>
-            <p:ph type="title"/>
-          </p:nvPr>
-        </p:nvSpPr>
-        <p:spPr/>
-        <p:txBody>
-          <a:bodyPr/>
-          <a:lstStyle/>
-          <a:p>
-            <a:endParaRPr lang="en-GB"/>
-          </a:p>
-        </p:txBody>
-      </p:sp>
-      <p:sp>
-        <p:nvSpPr>
-          <p:cNvPr id="3" name="Content Placeholder 2"/>
-          <p:cNvSpPr>
-            <a:spLocks noGrp="1"/>
-          </p:cNvSpPr>
-          <p:nvPr>
-            <p:ph idx="1"/>
-          </p:nvPr>
-        </p:nvSpPr>
-        <p:spPr/>
-        <p:txBody>
-          <a:bodyPr/>
-          <a:lstStyle/>
-          <a:p>
-            <a:endParaRPr lang="en-GB"/>
-          </a:p>
-        </p:txBody>
-      </p:sp>
+      <p:graphicFrame>
+        <p:nvGraphicFramePr>
+          <p:cNvPr id="2" name="ChartObject"/>
+          <p:cNvGraphicFramePr/>
+          <p:nvPr/>
+        </p:nvGraphicFramePr>
+        <p:xfrm>
+          <a:off x="635000" y="635000"/>
+          <a:ext cx="5715000" cy="3810000"/>
+        </p:xfrm>
+        <a:graphic>
+          <a:graphicData uri="http://schemas.openxmlformats.org/drawingml/2006/chart">
+            <c:chart xmlns:c="http://schemas.openxmlformats.org/drawingml/2006/chart" r:id="rId2"/>
+          </a:graphicData>
+        </a:graphic>
+      </p:graphicFrame>
     </p:spTree>
-    <p:extLst>
-      <p:ext uri="{BB962C8B-B14F-4D97-AF65-F5344CB8AC3E}">
-        <p14:creationId xmlns:p14="http://schemas.microsoft.com/office/powerpoint/2010/main" val="2902878536"/>
-      </p:ext>
-    </p:extLst>
   </p:cSld>
   <p:clrMapOvr>
     <a:masterClrMapping/>
   </p:clrMapOvr>
+  <p:transition/>
+  <p:timing/>
 </p:sld>
 </file>
 
+<file path=ppt/tags/tag1.xml><?xml version="1.0" encoding="utf-8"?>
+<p:tagLst xmlns:p="http://schemas.openxmlformats.org/presentationml/2006/main">
+  <p:tag name="AS_NET" val="4.0.30319.42000"/>
+  <p:tag name="AS_OS" val="Microsoft Windows NT 6.2.9200.0"/>
+  <p:tag name="AS_RELEASE_DATE" val="2019.06.14"/>
+  <p:tag name="AS_TITLE" val="Aspose.Slides for .NET 4.0 Client Profile"/>
+  <p:tag name="AS_VERSION" val="19.6"/>
+</p:tagLst>
+</file>
+
 <file path=ppt/theme/theme1.xml><?xml version="1.0" encoding="utf-8"?>
-<a:theme xmlns:a="http://schemas.openxmlformats.org/drawingml/2006/main" name="Office Theme">
+<a:theme xmlns:r="http://schemas.openxmlformats.org/officeDocument/2006/relationships" xmlns:a="http://schemas.openxmlformats.org/drawingml/2006/main" name="Office Theme">
   <a:themeElements>
     <a:clrScheme name="Office">
       <a:dk1>
@@ -3026,44 +3245,44 @@
         <a:sysClr val="window" lastClr="FFFFFF"/>
       </a:lt1>
       <a:dk2>
-        <a:srgbClr val="44546A"/>
+        <a:srgbClr val="1F497D"/>
       </a:dk2>
       <a:lt2>
-        <a:srgbClr val="E7E6E6"/>
+        <a:srgbClr val="EEECE1"/>
       </a:lt2>
       <a:accent1>
-        <a:srgbClr val="5B9BD5"/>
+        <a:srgbClr val="4F81BD"/>
       </a:accent1>
       <a:accent2>
-        <a:srgbClr val="ED7D31"/>
+        <a:srgbClr val="C0504D"/>
       </a:accent2>
       <a:accent3>
-        <a:srgbClr val="A5A5A5"/>
+        <a:srgbClr val="9BBB59"/>
       </a:accent3>
       <a:accent4>
-        <a:srgbClr val="FFC000"/>
+        <a:srgbClr val="8064A2"/>
       </a:accent4>
       <a:accent5>
-        <a:srgbClr val="4472C4"/>
+        <a:srgbClr val="4BACC6"/>
       </a:accent5>
       <a:accent6>
-        <a:srgbClr val="70AD47"/>
+        <a:srgbClr val="F79646"/>
       </a:accent6>
       <a:hlink>
-        <a:srgbClr val="0563C1"/>
+        <a:srgbClr val="0000FF"/>
       </a:hlink>
       <a:folHlink>
-        <a:srgbClr val="954F72"/>
+        <a:srgbClr val="800080"/>
       </a:folHlink>
     </a:clrScheme>
     <a:fontScheme name="Office">
       <a:majorFont>
-        <a:latin typeface="Calibri Light" panose="020F0302020204030204"/>
-        <a:ea typeface=""/>
-        <a:cs typeface=""/>
-        <a:font script="Jpan" typeface="游ゴシック Light"/>
-        <a:font script="Hang" typeface="맑은 고딕"/>
-        <a:font script="Hans" typeface="等线 Light"/>
+        <a:latin typeface="Calibri"/>
+        <a:ea typeface="Arial" pitchFamily="34" charset="0"/>
+        <a:cs typeface="Arial" pitchFamily="34" charset="0"/>
+        <a:font script="Jpan" typeface="ＭＳ%20Ｐゴシック"/>
+        <a:font script="Hang" typeface="맑은%20고딕"/>
+        <a:font script="Hans" typeface="宋体"/>
         <a:font script="Hant" typeface="新細明體"/>
         <a:font script="Arab" typeface="Times New Roman"/>
         <a:font script="Hebr" typeface="Times New Roman"/>
@@ -3093,12 +3312,12 @@
         <a:font script="Geor" typeface="Sylfaen"/>
       </a:majorFont>
       <a:minorFont>
-        <a:latin typeface="Calibri" panose="020F0502020204030204"/>
-        <a:ea typeface=""/>
-        <a:cs typeface=""/>
-        <a:font script="Jpan" typeface="游ゴシック"/>
-        <a:font script="Hang" typeface="맑은 고딕"/>
-        <a:font script="Hans" typeface="等线"/>
+        <a:latin typeface="Calibri"/>
+        <a:ea typeface="Arial" pitchFamily="34" charset="0"/>
+        <a:cs typeface="Arial" pitchFamily="34" charset="0"/>
+        <a:font script="Jpan" typeface="ＭＳ%20Ｐゴシック"/>
+        <a:font script="Hang" typeface="맑은%20고딕"/>
+        <a:font script="Hans" typeface="宋体"/>
         <a:font script="Hant" typeface="新細明體"/>
         <a:font script="Arab" typeface="Arial"/>
         <a:font script="Hebr" typeface="Arial"/>
@@ -3137,141 +3356,163 @@
           <a:gsLst>
             <a:gs pos="0">
               <a:schemeClr val="phClr">
-                <a:lumMod val="110000"/>
-                <a:satMod val="105000"/>
-                <a:tint val="67000"/>
+                <a:tint val="50000"/>
+                <a:satMod val="300000"/>
               </a:schemeClr>
             </a:gs>
-            <a:gs pos="50000">
+            <a:gs pos="35000">
               <a:schemeClr val="phClr">
-                <a:lumMod val="105000"/>
-                <a:satMod val="103000"/>
-                <a:tint val="73000"/>
+                <a:tint val="37000"/>
+                <a:satMod val="300000"/>
               </a:schemeClr>
             </a:gs>
             <a:gs pos="100000">
               <a:schemeClr val="phClr">
-                <a:lumMod val="105000"/>
-                <a:satMod val="109000"/>
-                <a:tint val="81000"/>
+                <a:tint val="15000"/>
+                <a:satMod val="350000"/>
               </a:schemeClr>
             </a:gs>
           </a:gsLst>
-          <a:lin ang="5400000" scaled="0"/>
+          <a:lin ang="16200000" scaled="1"/>
         </a:gradFill>
         <a:gradFill rotWithShape="1">
           <a:gsLst>
             <a:gs pos="0">
               <a:schemeClr val="phClr">
-                <a:satMod val="103000"/>
-                <a:lumMod val="102000"/>
-                <a:tint val="94000"/>
+                <a:shade val="51000"/>
+                <a:satMod val="130000"/>
               </a:schemeClr>
             </a:gs>
-            <a:gs pos="50000">
+            <a:gs pos="80000">
               <a:schemeClr val="phClr">
-                <a:satMod val="110000"/>
-                <a:lumMod val="100000"/>
-                <a:shade val="100000"/>
+                <a:shade val="93000"/>
+                <a:satMod val="130000"/>
               </a:schemeClr>
             </a:gs>
             <a:gs pos="100000">
               <a:schemeClr val="phClr">
-                <a:lumMod val="99000"/>
-                <a:satMod val="120000"/>
-                <a:shade val="78000"/>
+                <a:shade val="94000"/>
+                <a:satMod val="135000"/>
               </a:schemeClr>
             </a:gs>
           </a:gsLst>
-          <a:lin ang="5400000" scaled="0"/>
+          <a:lin ang="16200000" scaled="0"/>
         </a:gradFill>
       </a:fillStyleLst>
       <a:lnStyleLst>
-        <a:ln w="6350" cap="flat" cmpd="sng" algn="ctr">
+        <a:ln w="9525" cap="flat" cmpd="sng" algn="ctr">
+          <a:solidFill>
+            <a:schemeClr val="phClr">
+              <a:shade val="95000"/>
+              <a:satMod val="105000"/>
+            </a:schemeClr>
+          </a:solidFill>
+          <a:prstDash val="solid"/>
+        </a:ln>
+        <a:ln w="25400" cap="flat" cmpd="sng" algn="ctr">
           <a:solidFill>
             <a:schemeClr val="phClr"/>
           </a:solidFill>
           <a:prstDash val="solid"/>
-          <a:miter lim="800000"/>
         </a:ln>
-        <a:ln w="12700" cap="flat" cmpd="sng" algn="ctr">
+        <a:ln w="38100" cap="flat" cmpd="sng" algn="ctr">
           <a:solidFill>
             <a:schemeClr val="phClr"/>
           </a:solidFill>
           <a:prstDash val="solid"/>
-          <a:miter lim="800000"/>
-        </a:ln>
-        <a:ln w="19050" cap="flat" cmpd="sng" algn="ctr">
-          <a:solidFill>
-            <a:schemeClr val="phClr"/>
-          </a:solidFill>
-          <a:prstDash val="solid"/>
-          <a:miter lim="800000"/>
         </a:ln>
       </a:lnStyleLst>
       <a:effectStyleLst>
         <a:effectStyle>
-          <a:effectLst/>
-        </a:effectStyle>
-        <a:effectStyle>
-          <a:effectLst/>
+          <a:effectLst>
+            <a:outerShdw blurRad="40000" dist="20000" dir="5400000" rotWithShape="0">
+              <a:srgbClr val="000000">
+                <a:alpha val="38000"/>
+              </a:srgbClr>
+            </a:outerShdw>
+          </a:effectLst>
         </a:effectStyle>
         <a:effectStyle>
           <a:effectLst>
-            <a:outerShdw blurRad="57150" dist="19050" dir="5400000" algn="ctr" rotWithShape="0">
+            <a:outerShdw blurRad="40000" dist="23000" dir="5400000" rotWithShape="0">
               <a:srgbClr val="000000">
-                <a:alpha val="63000"/>
+                <a:alpha val="35000"/>
               </a:srgbClr>
             </a:outerShdw>
           </a:effectLst>
+        </a:effectStyle>
+        <a:effectStyle>
+          <a:effectLst>
+            <a:outerShdw blurRad="40000" dist="23000" dir="5400000" rotWithShape="0">
+              <a:srgbClr val="000000">
+                <a:alpha val="35000"/>
+              </a:srgbClr>
+            </a:outerShdw>
+          </a:effectLst>
+          <a:scene3d>
+            <a:camera prst="orthographicFront">
+              <a:rot lat="0" lon="0" rev="0"/>
+            </a:camera>
+            <a:lightRig rig="threePt" dir="t">
+              <a:rot lat="0" lon="0" rev="1200000"/>
+            </a:lightRig>
+          </a:scene3d>
+          <a:sp3d>
+            <a:bevelT w="63500" h="25400"/>
+          </a:sp3d>
         </a:effectStyle>
       </a:effectStyleLst>
       <a:bgFillStyleLst>
         <a:solidFill>
           <a:schemeClr val="phClr"/>
         </a:solidFill>
-        <a:solidFill>
-          <a:schemeClr val="phClr">
-            <a:tint val="95000"/>
-            <a:satMod val="170000"/>
-          </a:schemeClr>
-        </a:solidFill>
         <a:gradFill rotWithShape="1">
           <a:gsLst>
             <a:gs pos="0">
               <a:schemeClr val="phClr">
-                <a:tint val="93000"/>
-                <a:satMod val="150000"/>
-                <a:shade val="98000"/>
-                <a:lumMod val="102000"/>
+                <a:tint val="40000"/>
+                <a:satMod val="350000"/>
               </a:schemeClr>
             </a:gs>
-            <a:gs pos="50000">
+            <a:gs pos="40000">
               <a:schemeClr val="phClr">
-                <a:tint val="98000"/>
-                <a:satMod val="130000"/>
-                <a:shade val="90000"/>
-                <a:lumMod val="103000"/>
+                <a:tint val="45000"/>
+                <a:shade val="99000"/>
+                <a:satMod val="350000"/>
               </a:schemeClr>
             </a:gs>
             <a:gs pos="100000">
               <a:schemeClr val="phClr">
-                <a:shade val="63000"/>
-                <a:satMod val="120000"/>
+                <a:shade val="20000"/>
+                <a:satMod val="255000"/>
               </a:schemeClr>
             </a:gs>
           </a:gsLst>
-          <a:lin ang="5400000" scaled="0"/>
+          <a:path path="circle">
+            <a:fillToRect l="50000" t="-80000" r="50000" b="180000"/>
+          </a:path>
+        </a:gradFill>
+        <a:gradFill rotWithShape="1">
+          <a:gsLst>
+            <a:gs pos="0">
+              <a:schemeClr val="phClr">
+                <a:tint val="80000"/>
+                <a:satMod val="300000"/>
+              </a:schemeClr>
+            </a:gs>
+            <a:gs pos="100000">
+              <a:schemeClr val="phClr">
+                <a:shade val="30000"/>
+                <a:satMod val="200000"/>
+              </a:schemeClr>
+            </a:gs>
+          </a:gsLst>
+          <a:path path="circle">
+            <a:fillToRect l="50000" t="50000" r="50000" b="50000"/>
+          </a:path>
         </a:gradFill>
       </a:bgFillStyleLst>
     </a:fmtScheme>
   </a:themeElements>
-  <a:objectDefaults/>
-  <a:extraClrSchemeLst/>
-  <a:extLst>
-    <a:ext uri="{05A4C25C-085E-4340-85A3-A5531E510DB2}">
-      <thm15:themeFamily xmlns:thm15="http://schemas.microsoft.com/office/thememl/2012/main" name="Office Theme" id="{62F939B6-93AF-4DB8-9C6B-D6C7DFDC589F}" vid="{4A3C46E8-61CC-4603-A589-7422A47A8E4A}"/>
-    </a:ext>
-  </a:extLst>
 </a:theme>
 </file>
--- a/Examples/Data/Charts/test.pptx
+++ b/Examples/Data/Charts/test.pptx
@@ -1,6 +1,6 @@
 
 <file path=ppt/presentation.xml><?xml version="1.0" encoding="utf-8"?>
-<!--Generated by Aspose.Slides for .NET 19.6-->
+<!--Generated by Aspose.Slides for .NET 21.12-->
 <p:presentation xmlns:r="http://schemas.openxmlformats.org/officeDocument/2006/relationships" xmlns:a="http://schemas.openxmlformats.org/drawingml/2006/main" xmlns:p="http://schemas.openxmlformats.org/presentationml/2006/main" saveSubsetFonts="1">
   <p:sldMasterIdLst>
     <p:sldMasterId id="2147483648" r:id="rId1"/>
@@ -112,7 +112,7 @@
 </file>
 
 <file path=ppt/charts/chart1.xml><?xml version="1.0" encoding="utf-8"?>
-<c:chartSpace xmlns:a="http://schemas.openxmlformats.org/drawingml/2006/main" xmlns:r="http://schemas.openxmlformats.org/officeDocument/2006/relationships" xmlns:c="http://schemas.openxmlformats.org/drawingml/2006/chart">
+<c:chartSpace xmlns:a="http://schemas.openxmlformats.org/drawingml/2006/main" xmlns:r="http://schemas.openxmlformats.org/officeDocument/2006/relationships" xmlns:m="http://schemas.openxmlformats.org/officeDocument/2006/math" xmlns:w="http://schemas.openxmlformats.org/wordprocessingml/2006/main" xmlns:wp="http://schemas.openxmlformats.org/drawingml/2006/wordprocessingDrawing" xmlns:a14="http://schemas.microsoft.com/office/drawing/2010/main" xmlns:c="http://schemas.openxmlformats.org/drawingml/2006/chart">
   <c:date1904 val="0"/>
   <c:lang val="ru-RU"/>
   <c:roundedCorners val="0"/>
@@ -381,11 +381,11 @@
 </file>
 
 <file path=ppt/slideLayouts/slideLayout1.xml><?xml version="1.0" encoding="utf-8"?>
-<p:sldLayout xmlns:a="http://schemas.openxmlformats.org/drawingml/2006/main" xmlns:r="http://schemas.openxmlformats.org/officeDocument/2006/relationships" xmlns:p14="http://schemas.microsoft.com/office/powerpoint/2010/main" xmlns:a14="http://schemas.microsoft.com/office/drawing/2010/main" xmlns:p15="http://schemas.microsoft.com/office/powerpoint/2012/main" xmlns:p159="http://schemas.microsoft.com/office/powerpoint/2015/09/main" xmlns:p="http://schemas.openxmlformats.org/presentationml/2006/main" type="title" preserve="1">
+<p:sldLayout xmlns:a="http://schemas.openxmlformats.org/drawingml/2006/main" xmlns:r="http://schemas.openxmlformats.org/officeDocument/2006/relationships" xmlns:m="http://schemas.openxmlformats.org/officeDocument/2006/math" xmlns:w="http://schemas.openxmlformats.org/wordprocessingml/2006/main" xmlns:wp="http://schemas.openxmlformats.org/drawingml/2006/wordprocessingDrawing" xmlns:a14="http://schemas.microsoft.com/office/drawing/2010/main" xmlns:mc="http://schemas.openxmlformats.org/markup-compatibility/2006" xmlns:p14="http://schemas.microsoft.com/office/powerpoint/2010/main" xmlns:p15="http://schemas.microsoft.com/office/powerpoint/2012/main" xmlns:p159="http://schemas.microsoft.com/office/powerpoint/2015/09/main" xmlns:p="http://schemas.openxmlformats.org/presentationml/2006/main" type="title" preserve="1">
   <p:cSld name="Title Slide">
     <p:spTree>
       <p:nvGrpSpPr>
-        <p:cNvPr id="1" name=""/>
+        <p:cNvPr id="1" name="" title=""/>
         <p:cNvGrpSpPr/>
         <p:nvPr/>
       </p:nvGrpSpPr>
@@ -397,7 +397,7 @@
       </p:grpSpPr>
       <p:sp>
         <p:nvSpPr>
-          <p:cNvPr id="2" name="Title 1"/>
+          <p:cNvPr id="2" name="Title 1" title=""/>
           <p:cNvSpPr>
             <a:spLocks noGrp="1"/>
           </p:cNvSpPr>
@@ -420,7 +420,7 @@
       </p:sp>
       <p:sp>
         <p:nvSpPr>
-          <p:cNvPr id="3" name="Subtitle 2"/>
+          <p:cNvPr id="3" name="Subtitle 2" title=""/>
           <p:cNvSpPr>
             <a:spLocks noGrp="1"/>
           </p:cNvSpPr>
@@ -534,7 +534,7 @@
       </p:sp>
       <p:sp>
         <p:nvSpPr>
-          <p:cNvPr id="4" name="Date Placeholder 3"/>
+          <p:cNvPr id="4" name="Date Placeholder 3" title=""/>
           <p:cNvSpPr>
             <a:spLocks noGrp="1"/>
           </p:cNvSpPr>
@@ -547,7 +547,7 @@
           <a:bodyPr/>
           <a:lstStyle/>
           <a:p>
-            <a:fld id="{EA5C69D9-8A8B-407A-8ABB-3998763B2DA8}" type="datetimeFigureOut">
+            <a:fld id="{4C03F686-9A04-4B61-AEDE-1989693C73CB}" type="datetimeFigureOut">
               <a:rPr lang="en-US" smtClean="0"/>
               <a:t>11/7/2009</a:t>
             </a:fld>
@@ -557,7 +557,7 @@
       </p:sp>
       <p:sp>
         <p:nvSpPr>
-          <p:cNvPr id="5" name="Footer Placeholder 4"/>
+          <p:cNvPr id="5" name="Footer Placeholder 4" title=""/>
           <p:cNvSpPr>
             <a:spLocks noGrp="1"/>
           </p:cNvSpPr>
@@ -576,7 +576,7 @@
       </p:sp>
       <p:sp>
         <p:nvSpPr>
-          <p:cNvPr id="6" name="Slide Number Placeholder 5"/>
+          <p:cNvPr id="6" name="Slide Number Placeholder 5" title=""/>
           <p:cNvSpPr>
             <a:spLocks noGrp="1"/>
           </p:cNvSpPr>
@@ -608,11 +608,11 @@
 </file>
 
 <file path=ppt/slideLayouts/slideLayout10.xml><?xml version="1.0" encoding="utf-8"?>
-<p:sldLayout xmlns:a="http://schemas.openxmlformats.org/drawingml/2006/main" xmlns:r="http://schemas.openxmlformats.org/officeDocument/2006/relationships" xmlns:p14="http://schemas.microsoft.com/office/powerpoint/2010/main" xmlns:a14="http://schemas.microsoft.com/office/drawing/2010/main" xmlns:p15="http://schemas.microsoft.com/office/powerpoint/2012/main" xmlns:p159="http://schemas.microsoft.com/office/powerpoint/2015/09/main" xmlns:p="http://schemas.openxmlformats.org/presentationml/2006/main" type="vertTx" preserve="1">
+<p:sldLayout xmlns:a="http://schemas.openxmlformats.org/drawingml/2006/main" xmlns:r="http://schemas.openxmlformats.org/officeDocument/2006/relationships" xmlns:m="http://schemas.openxmlformats.org/officeDocument/2006/math" xmlns:w="http://schemas.openxmlformats.org/wordprocessingml/2006/main" xmlns:wp="http://schemas.openxmlformats.org/drawingml/2006/wordprocessingDrawing" xmlns:a14="http://schemas.microsoft.com/office/drawing/2010/main" xmlns:mc="http://schemas.openxmlformats.org/markup-compatibility/2006" xmlns:p14="http://schemas.microsoft.com/office/powerpoint/2010/main" xmlns:p15="http://schemas.microsoft.com/office/powerpoint/2012/main" xmlns:p159="http://schemas.microsoft.com/office/powerpoint/2015/09/main" xmlns:p="http://schemas.openxmlformats.org/presentationml/2006/main" type="vertTx" preserve="1">
   <p:cSld name="Title and Vertical Text">
     <p:spTree>
       <p:nvGrpSpPr>
-        <p:cNvPr id="1" name=""/>
+        <p:cNvPr id="1" name="" title=""/>
         <p:cNvGrpSpPr/>
         <p:nvPr/>
       </p:nvGrpSpPr>
@@ -624,7 +624,7 @@
       </p:grpSpPr>
       <p:sp>
         <p:nvSpPr>
-          <p:cNvPr id="2" name="Title 1"/>
+          <p:cNvPr id="2" name="Title 1" title=""/>
           <p:cNvSpPr>
             <a:spLocks noGrp="1"/>
           </p:cNvSpPr>
@@ -647,7 +647,7 @@
       </p:sp>
       <p:sp>
         <p:nvSpPr>
-          <p:cNvPr id="3" name="Vertical Text Placeholder 2"/>
+          <p:cNvPr id="3" name="Vertical Text Placeholder 2" title=""/>
           <p:cNvSpPr>
             <a:spLocks noGrp="1"/>
           </p:cNvSpPr>
@@ -698,7 +698,7 @@
       </p:sp>
       <p:sp>
         <p:nvSpPr>
-          <p:cNvPr id="4" name="Date Placeholder 3"/>
+          <p:cNvPr id="4" name="Date Placeholder 3" title=""/>
           <p:cNvSpPr>
             <a:spLocks noGrp="1"/>
           </p:cNvSpPr>
@@ -711,7 +711,7 @@
           <a:bodyPr/>
           <a:lstStyle/>
           <a:p>
-            <a:fld id="{62A4C848-B472-44EE-B8FD-B82D073F5152}" type="datetimeFigureOut">
+            <a:fld id="{17A6607E-8B2D-4CCE-AEE7-DE66B30D7A5F}" type="datetimeFigureOut">
               <a:rPr lang="en-US" smtClean="0"/>
               <a:t>11/7/2009</a:t>
             </a:fld>
@@ -721,7 +721,7 @@
       </p:sp>
       <p:sp>
         <p:nvSpPr>
-          <p:cNvPr id="5" name="Footer Placeholder 4"/>
+          <p:cNvPr id="5" name="Footer Placeholder 4" title=""/>
           <p:cNvSpPr>
             <a:spLocks noGrp="1"/>
           </p:cNvSpPr>
@@ -740,7 +740,7 @@
       </p:sp>
       <p:sp>
         <p:nvSpPr>
-          <p:cNvPr id="6" name="Slide Number Placeholder 5"/>
+          <p:cNvPr id="6" name="Slide Number Placeholder 5" title=""/>
           <p:cNvSpPr>
             <a:spLocks noGrp="1"/>
           </p:cNvSpPr>
@@ -772,11 +772,11 @@
 </file>
 
 <file path=ppt/slideLayouts/slideLayout11.xml><?xml version="1.0" encoding="utf-8"?>
-<p:sldLayout xmlns:a="http://schemas.openxmlformats.org/drawingml/2006/main" xmlns:r="http://schemas.openxmlformats.org/officeDocument/2006/relationships" xmlns:p14="http://schemas.microsoft.com/office/powerpoint/2010/main" xmlns:a14="http://schemas.microsoft.com/office/drawing/2010/main" xmlns:p15="http://schemas.microsoft.com/office/powerpoint/2012/main" xmlns:p159="http://schemas.microsoft.com/office/powerpoint/2015/09/main" xmlns:p="http://schemas.openxmlformats.org/presentationml/2006/main" type="vertTitleAndTx" preserve="1">
+<p:sldLayout xmlns:a="http://schemas.openxmlformats.org/drawingml/2006/main" xmlns:r="http://schemas.openxmlformats.org/officeDocument/2006/relationships" xmlns:m="http://schemas.openxmlformats.org/officeDocument/2006/math" xmlns:w="http://schemas.openxmlformats.org/wordprocessingml/2006/main" xmlns:wp="http://schemas.openxmlformats.org/drawingml/2006/wordprocessingDrawing" xmlns:a14="http://schemas.microsoft.com/office/drawing/2010/main" xmlns:mc="http://schemas.openxmlformats.org/markup-compatibility/2006" xmlns:p14="http://schemas.microsoft.com/office/powerpoint/2010/main" xmlns:p15="http://schemas.microsoft.com/office/powerpoint/2012/main" xmlns:p159="http://schemas.microsoft.com/office/powerpoint/2015/09/main" xmlns:p="http://schemas.openxmlformats.org/presentationml/2006/main" type="vertTitleAndTx" preserve="1">
   <p:cSld name="Vertical Title and Text">
     <p:spTree>
       <p:nvGrpSpPr>
-        <p:cNvPr id="1" name=""/>
+        <p:cNvPr id="1" name="" title=""/>
         <p:cNvGrpSpPr/>
         <p:nvPr/>
       </p:nvGrpSpPr>
@@ -788,7 +788,7 @@
       </p:grpSpPr>
       <p:sp>
         <p:nvSpPr>
-          <p:cNvPr id="2" name="Vertical Title 1"/>
+          <p:cNvPr id="2" name="Vertical Title 1" title=""/>
           <p:cNvSpPr>
             <a:spLocks noGrp="1"/>
           </p:cNvSpPr>
@@ -811,7 +811,7 @@
       </p:sp>
       <p:sp>
         <p:nvSpPr>
-          <p:cNvPr id="3" name="Vertical Text Placeholder 2"/>
+          <p:cNvPr id="3" name="Vertical Text Placeholder 2" title=""/>
           <p:cNvSpPr>
             <a:spLocks noGrp="1"/>
           </p:cNvSpPr>
@@ -862,7 +862,7 @@
       </p:sp>
       <p:sp>
         <p:nvSpPr>
-          <p:cNvPr id="4" name="Date Placeholder 3"/>
+          <p:cNvPr id="4" name="Date Placeholder 3" title=""/>
           <p:cNvSpPr>
             <a:spLocks noGrp="1"/>
           </p:cNvSpPr>
@@ -875,7 +875,7 @@
           <a:bodyPr/>
           <a:lstStyle/>
           <a:p>
-            <a:fld id="{CD98C795-6026-4658-8F09-BE59AB82D5D6}" type="datetimeFigureOut">
+            <a:fld id="{6E3ABBD9-DD52-40C2-ACA9-70D3E66545E4}" type="datetimeFigureOut">
               <a:rPr lang="en-US" smtClean="0"/>
               <a:t>11/7/2009</a:t>
             </a:fld>
@@ -885,7 +885,7 @@
       </p:sp>
       <p:sp>
         <p:nvSpPr>
-          <p:cNvPr id="5" name="Footer Placeholder 4"/>
+          <p:cNvPr id="5" name="Footer Placeholder 4" title=""/>
           <p:cNvSpPr>
             <a:spLocks noGrp="1"/>
           </p:cNvSpPr>
@@ -904,7 +904,7 @@
       </p:sp>
       <p:sp>
         <p:nvSpPr>
-          <p:cNvPr id="6" name="Slide Number Placeholder 5"/>
+          <p:cNvPr id="6" name="Slide Number Placeholder 5" title=""/>
           <p:cNvSpPr>
             <a:spLocks noGrp="1"/>
           </p:cNvSpPr>
@@ -936,11 +936,11 @@
 </file>
 
 <file path=ppt/slideLayouts/slideLayout2.xml><?xml version="1.0" encoding="utf-8"?>
-<p:sldLayout xmlns:a="http://schemas.openxmlformats.org/drawingml/2006/main" xmlns:r="http://schemas.openxmlformats.org/officeDocument/2006/relationships" xmlns:p14="http://schemas.microsoft.com/office/powerpoint/2010/main" xmlns:a14="http://schemas.microsoft.com/office/drawing/2010/main" xmlns:p15="http://schemas.microsoft.com/office/powerpoint/2012/main" xmlns:p159="http://schemas.microsoft.com/office/powerpoint/2015/09/main" xmlns:p="http://schemas.openxmlformats.org/presentationml/2006/main" type="obj" preserve="1">
+<p:sldLayout xmlns:a="http://schemas.openxmlformats.org/drawingml/2006/main" xmlns:r="http://schemas.openxmlformats.org/officeDocument/2006/relationships" xmlns:m="http://schemas.openxmlformats.org/officeDocument/2006/math" xmlns:w="http://schemas.openxmlformats.org/wordprocessingml/2006/main" xmlns:wp="http://schemas.openxmlformats.org/drawingml/2006/wordprocessingDrawing" xmlns:a14="http://schemas.microsoft.com/office/drawing/2010/main" xmlns:mc="http://schemas.openxmlformats.org/markup-compatibility/2006" xmlns:p14="http://schemas.microsoft.com/office/powerpoint/2010/main" xmlns:p15="http://schemas.microsoft.com/office/powerpoint/2012/main" xmlns:p159="http://schemas.microsoft.com/office/powerpoint/2015/09/main" xmlns:p="http://schemas.openxmlformats.org/presentationml/2006/main" type="obj" preserve="1">
   <p:cSld name="Title and Content">
     <p:spTree>
       <p:nvGrpSpPr>
-        <p:cNvPr id="1" name=""/>
+        <p:cNvPr id="1" name="" title=""/>
         <p:cNvGrpSpPr/>
         <p:nvPr/>
       </p:nvGrpSpPr>
@@ -952,7 +952,7 @@
       </p:grpSpPr>
       <p:sp>
         <p:nvSpPr>
-          <p:cNvPr id="2" name="Title 1"/>
+          <p:cNvPr id="2" name="Title 1" title=""/>
           <p:cNvSpPr>
             <a:spLocks noGrp="1"/>
           </p:cNvSpPr>
@@ -975,7 +975,7 @@
       </p:sp>
       <p:sp>
         <p:nvSpPr>
-          <p:cNvPr id="3" name="Content Placeholder 2"/>
+          <p:cNvPr id="3" name="Content Placeholder 2" title=""/>
           <p:cNvSpPr>
             <a:spLocks noGrp="1"/>
           </p:cNvSpPr>
@@ -1026,7 +1026,7 @@
       </p:sp>
       <p:sp>
         <p:nvSpPr>
-          <p:cNvPr id="4" name="Date Placeholder 3"/>
+          <p:cNvPr id="4" name="Date Placeholder 3" title=""/>
           <p:cNvSpPr>
             <a:spLocks noGrp="1"/>
           </p:cNvSpPr>
@@ -1039,7 +1039,7 @@
           <a:bodyPr/>
           <a:lstStyle/>
           <a:p>
-            <a:fld id="{FFFBEAE2-A42A-496B-BF96-E18AA57DA106}" type="datetimeFigureOut">
+            <a:fld id="{7426B569-5A5A-480A-9F7D-1C5B191EAEBD}" type="datetimeFigureOut">
               <a:rPr lang="en-US" smtClean="0"/>
               <a:t>11/7/2009</a:t>
             </a:fld>
@@ -1049,7 +1049,7 @@
       </p:sp>
       <p:sp>
         <p:nvSpPr>
-          <p:cNvPr id="5" name="Footer Placeholder 4"/>
+          <p:cNvPr id="5" name="Footer Placeholder 4" title=""/>
           <p:cNvSpPr>
             <a:spLocks noGrp="1"/>
           </p:cNvSpPr>
@@ -1068,7 +1068,7 @@
       </p:sp>
       <p:sp>
         <p:nvSpPr>
-          <p:cNvPr id="6" name="Slide Number Placeholder 5"/>
+          <p:cNvPr id="6" name="Slide Number Placeholder 5" title=""/>
           <p:cNvSpPr>
             <a:spLocks noGrp="1"/>
           </p:cNvSpPr>
@@ -1100,11 +1100,11 @@
 </file>
 
 <file path=ppt/slideLayouts/slideLayout3.xml><?xml version="1.0" encoding="utf-8"?>
-<p:sldLayout xmlns:a="http://schemas.openxmlformats.org/drawingml/2006/main" xmlns:r="http://schemas.openxmlformats.org/officeDocument/2006/relationships" xmlns:p14="http://schemas.microsoft.com/office/powerpoint/2010/main" xmlns:a14="http://schemas.microsoft.com/office/drawing/2010/main" xmlns:p15="http://schemas.microsoft.com/office/powerpoint/2012/main" xmlns:p159="http://schemas.microsoft.com/office/powerpoint/2015/09/main" xmlns:p="http://schemas.openxmlformats.org/presentationml/2006/main" type="secHead" preserve="1">
+<p:sldLayout xmlns:a="http://schemas.openxmlformats.org/drawingml/2006/main" xmlns:r="http://schemas.openxmlformats.org/officeDocument/2006/relationships" xmlns:m="http://schemas.openxmlformats.org/officeDocument/2006/math" xmlns:w="http://schemas.openxmlformats.org/wordprocessingml/2006/main" xmlns:wp="http://schemas.openxmlformats.org/drawingml/2006/wordprocessingDrawing" xmlns:a14="http://schemas.microsoft.com/office/drawing/2010/main" xmlns:mc="http://schemas.openxmlformats.org/markup-compatibility/2006" xmlns:p14="http://schemas.microsoft.com/office/powerpoint/2010/main" xmlns:p15="http://schemas.microsoft.com/office/powerpoint/2012/main" xmlns:p159="http://schemas.microsoft.com/office/powerpoint/2015/09/main" xmlns:p="http://schemas.openxmlformats.org/presentationml/2006/main" type="secHead" preserve="1">
   <p:cSld name="Section Header">
     <p:spTree>
       <p:nvGrpSpPr>
-        <p:cNvPr id="1" name=""/>
+        <p:cNvPr id="1" name="" title=""/>
         <p:cNvGrpSpPr/>
         <p:nvPr/>
       </p:nvGrpSpPr>
@@ -1116,7 +1116,7 @@
       </p:grpSpPr>
       <p:sp>
         <p:nvSpPr>
-          <p:cNvPr id="2" name="Title 1"/>
+          <p:cNvPr id="2" name="Title 1" title=""/>
           <p:cNvSpPr>
             <a:spLocks noGrp="1"/>
           </p:cNvSpPr>
@@ -1143,7 +1143,7 @@
       </p:sp>
       <p:sp>
         <p:nvSpPr>
-          <p:cNvPr id="3" name="Text Placeholder 2"/>
+          <p:cNvPr id="3" name="Text Placeholder 2" title=""/>
           <p:cNvSpPr>
             <a:spLocks noGrp="1"/>
           </p:cNvSpPr>
@@ -1256,7 +1256,7 @@
       </p:sp>
       <p:sp>
         <p:nvSpPr>
-          <p:cNvPr id="4" name="Date Placeholder 3"/>
+          <p:cNvPr id="4" name="Date Placeholder 3" title=""/>
           <p:cNvSpPr>
             <a:spLocks noGrp="1"/>
           </p:cNvSpPr>
@@ -1269,7 +1269,7 @@
           <a:bodyPr/>
           <a:lstStyle/>
           <a:p>
-            <a:fld id="{1AC99989-EB87-4C50-9362-E39232494A09}" type="datetimeFigureOut">
+            <a:fld id="{44E8DAB3-5BCE-44DF-9DC9-65B39A2B7FB7}" type="datetimeFigureOut">
               <a:rPr lang="en-US" smtClean="0"/>
               <a:t>11/7/2009</a:t>
             </a:fld>
@@ -1279,7 +1279,7 @@
       </p:sp>
       <p:sp>
         <p:nvSpPr>
-          <p:cNvPr id="5" name="Footer Placeholder 4"/>
+          <p:cNvPr id="5" name="Footer Placeholder 4" title=""/>
           <p:cNvSpPr>
             <a:spLocks noGrp="1"/>
           </p:cNvSpPr>
@@ -1298,7 +1298,7 @@
       </p:sp>
       <p:sp>
         <p:nvSpPr>
-          <p:cNvPr id="6" name="Slide Number Placeholder 5"/>
+          <p:cNvPr id="6" name="Slide Number Placeholder 5" title=""/>
           <p:cNvSpPr>
             <a:spLocks noGrp="1"/>
           </p:cNvSpPr>
@@ -1330,11 +1330,11 @@
 </file>
 
 <file path=ppt/slideLayouts/slideLayout4.xml><?xml version="1.0" encoding="utf-8"?>
-<p:sldLayout xmlns:a="http://schemas.openxmlformats.org/drawingml/2006/main" xmlns:r="http://schemas.openxmlformats.org/officeDocument/2006/relationships" xmlns:p14="http://schemas.microsoft.com/office/powerpoint/2010/main" xmlns:a14="http://schemas.microsoft.com/office/drawing/2010/main" xmlns:p15="http://schemas.microsoft.com/office/powerpoint/2012/main" xmlns:p159="http://schemas.microsoft.com/office/powerpoint/2015/09/main" xmlns:p="http://schemas.openxmlformats.org/presentationml/2006/main" type="twoObj" preserve="1">
+<p:sldLayout xmlns:a="http://schemas.openxmlformats.org/drawingml/2006/main" xmlns:r="http://schemas.openxmlformats.org/officeDocument/2006/relationships" xmlns:m="http://schemas.openxmlformats.org/officeDocument/2006/math" xmlns:w="http://schemas.openxmlformats.org/wordprocessingml/2006/main" xmlns:wp="http://schemas.openxmlformats.org/drawingml/2006/wordprocessingDrawing" xmlns:a14="http://schemas.microsoft.com/office/drawing/2010/main" xmlns:mc="http://schemas.openxmlformats.org/markup-compatibility/2006" xmlns:p14="http://schemas.microsoft.com/office/powerpoint/2010/main" xmlns:p15="http://schemas.microsoft.com/office/powerpoint/2012/main" xmlns:p159="http://schemas.microsoft.com/office/powerpoint/2015/09/main" xmlns:p="http://schemas.openxmlformats.org/presentationml/2006/main" type="twoObj" preserve="1">
   <p:cSld name="Two Content">
     <p:spTree>
       <p:nvGrpSpPr>
-        <p:cNvPr id="1" name=""/>
+        <p:cNvPr id="1" name="" title=""/>
         <p:cNvGrpSpPr/>
         <p:nvPr/>
       </p:nvGrpSpPr>
@@ -1346,7 +1346,7 @@
       </p:grpSpPr>
       <p:sp>
         <p:nvSpPr>
-          <p:cNvPr id="2" name="Title 1"/>
+          <p:cNvPr id="2" name="Title 1" title=""/>
           <p:cNvSpPr>
             <a:spLocks noGrp="1"/>
           </p:cNvSpPr>
@@ -1369,7 +1369,7 @@
       </p:sp>
       <p:sp>
         <p:nvSpPr>
-          <p:cNvPr id="3" name="Content Placeholder 2"/>
+          <p:cNvPr id="3" name="Content Placeholder 2" title=""/>
           <p:cNvSpPr>
             <a:spLocks noGrp="1"/>
           </p:cNvSpPr>
@@ -1448,7 +1448,7 @@
       </p:sp>
       <p:sp>
         <p:nvSpPr>
-          <p:cNvPr id="4" name="Content Placeholder 3"/>
+          <p:cNvPr id="4" name="Content Placeholder 3" title=""/>
           <p:cNvSpPr>
             <a:spLocks noGrp="1"/>
           </p:cNvSpPr>
@@ -1527,7 +1527,7 @@
       </p:sp>
       <p:sp>
         <p:nvSpPr>
-          <p:cNvPr id="5" name="Date Placeholder 4"/>
+          <p:cNvPr id="5" name="Date Placeholder 4" title=""/>
           <p:cNvSpPr>
             <a:spLocks noGrp="1"/>
           </p:cNvSpPr>
@@ -1540,7 +1540,7 @@
           <a:bodyPr/>
           <a:lstStyle/>
           <a:p>
-            <a:fld id="{DB1E2DC7-78B8-46B8-9A76-08F3BE83E57B}" type="datetimeFigureOut">
+            <a:fld id="{3F946FE1-4640-4370-B68D-F1E1F1C7A1A6}" type="datetimeFigureOut">
               <a:rPr lang="en-US" smtClean="0"/>
               <a:t>11/7/2009</a:t>
             </a:fld>
@@ -1550,7 +1550,7 @@
       </p:sp>
       <p:sp>
         <p:nvSpPr>
-          <p:cNvPr id="6" name="Footer Placeholder 5"/>
+          <p:cNvPr id="6" name="Footer Placeholder 5" title=""/>
           <p:cNvSpPr>
             <a:spLocks noGrp="1"/>
           </p:cNvSpPr>
@@ -1569,7 +1569,7 @@
       </p:sp>
       <p:sp>
         <p:nvSpPr>
-          <p:cNvPr id="7" name="Slide Number Placeholder 6"/>
+          <p:cNvPr id="7" name="Slide Number Placeholder 6" title=""/>
           <p:cNvSpPr>
             <a:spLocks noGrp="1"/>
           </p:cNvSpPr>
@@ -1601,11 +1601,11 @@
 </file>
 
 <file path=ppt/slideLayouts/slideLayout5.xml><?xml version="1.0" encoding="utf-8"?>
-<p:sldLayout xmlns:a="http://schemas.openxmlformats.org/drawingml/2006/main" xmlns:r="http://schemas.openxmlformats.org/officeDocument/2006/relationships" xmlns:p14="http://schemas.microsoft.com/office/powerpoint/2010/main" xmlns:a14="http://schemas.microsoft.com/office/drawing/2010/main" xmlns:p15="http://schemas.microsoft.com/office/powerpoint/2012/main" xmlns:p159="http://schemas.microsoft.com/office/powerpoint/2015/09/main" xmlns:p="http://schemas.openxmlformats.org/presentationml/2006/main" type="twoTxTwoObj" preserve="1">
+<p:sldLayout xmlns:a="http://schemas.openxmlformats.org/drawingml/2006/main" xmlns:r="http://schemas.openxmlformats.org/officeDocument/2006/relationships" xmlns:m="http://schemas.openxmlformats.org/officeDocument/2006/math" xmlns:w="http://schemas.openxmlformats.org/wordprocessingml/2006/main" xmlns:wp="http://schemas.openxmlformats.org/drawingml/2006/wordprocessingDrawing" xmlns:a14="http://schemas.microsoft.com/office/drawing/2010/main" xmlns:mc="http://schemas.openxmlformats.org/markup-compatibility/2006" xmlns:p14="http://schemas.microsoft.com/office/powerpoint/2010/main" xmlns:p15="http://schemas.microsoft.com/office/powerpoint/2012/main" xmlns:p159="http://schemas.microsoft.com/office/powerpoint/2015/09/main" xmlns:p="http://schemas.openxmlformats.org/presentationml/2006/main" type="twoTxTwoObj" preserve="1">
   <p:cSld name="Comparison">
     <p:spTree>
       <p:nvGrpSpPr>
-        <p:cNvPr id="1" name=""/>
+        <p:cNvPr id="1" name="" title=""/>
         <p:cNvGrpSpPr/>
         <p:nvPr/>
       </p:nvGrpSpPr>
@@ -1617,7 +1617,7 @@
       </p:grpSpPr>
       <p:sp>
         <p:nvSpPr>
-          <p:cNvPr id="2" name="Title 1"/>
+          <p:cNvPr id="2" name="Title 1" title=""/>
           <p:cNvSpPr>
             <a:spLocks noGrp="1"/>
           </p:cNvSpPr>
@@ -1640,7 +1640,7 @@
       </p:sp>
       <p:sp>
         <p:nvSpPr>
-          <p:cNvPr id="3" name="Text Placeholder 2"/>
+          <p:cNvPr id="3" name="Text Placeholder 2" title=""/>
           <p:cNvSpPr>
             <a:spLocks noGrp="1"/>
           </p:cNvSpPr>
@@ -1699,7 +1699,7 @@
       </p:sp>
       <p:sp>
         <p:nvSpPr>
-          <p:cNvPr id="4" name="Content Placeholder 3"/>
+          <p:cNvPr id="4" name="Content Placeholder 3" title=""/>
           <p:cNvSpPr>
             <a:spLocks noGrp="1"/>
           </p:cNvSpPr>
@@ -1778,7 +1778,7 @@
       </p:sp>
       <p:sp>
         <p:nvSpPr>
-          <p:cNvPr id="5" name="Text Placeholder 4"/>
+          <p:cNvPr id="5" name="Text Placeholder 4" title=""/>
           <p:cNvSpPr>
             <a:spLocks noGrp="1"/>
           </p:cNvSpPr>
@@ -1837,7 +1837,7 @@
       </p:sp>
       <p:sp>
         <p:nvSpPr>
-          <p:cNvPr id="6" name="Content Placeholder 5"/>
+          <p:cNvPr id="6" name="Content Placeholder 5" title=""/>
           <p:cNvSpPr>
             <a:spLocks noGrp="1"/>
           </p:cNvSpPr>
@@ -1916,7 +1916,7 @@
       </p:sp>
       <p:sp>
         <p:nvSpPr>
-          <p:cNvPr id="7" name="Date Placeholder 6"/>
+          <p:cNvPr id="7" name="Date Placeholder 6" title=""/>
           <p:cNvSpPr>
             <a:spLocks noGrp="1"/>
           </p:cNvSpPr>
@@ -1929,7 +1929,7 @@
           <a:bodyPr/>
           <a:lstStyle/>
           <a:p>
-            <a:fld id="{CC1A0CD6-4701-4747-A7CA-36CE710F1093}" type="datetimeFigureOut">
+            <a:fld id="{4A6DB03C-0AC6-4048-86E7-F46800636557}" type="datetimeFigureOut">
               <a:rPr lang="en-US" smtClean="0"/>
               <a:t>11/7/2009</a:t>
             </a:fld>
@@ -1939,7 +1939,7 @@
       </p:sp>
       <p:sp>
         <p:nvSpPr>
-          <p:cNvPr id="8" name="Footer Placeholder 7"/>
+          <p:cNvPr id="8" name="Footer Placeholder 7" title=""/>
           <p:cNvSpPr>
             <a:spLocks noGrp="1"/>
           </p:cNvSpPr>
@@ -1958,7 +1958,7 @@
       </p:sp>
       <p:sp>
         <p:nvSpPr>
-          <p:cNvPr id="9" name="Slide Number Placeholder 8"/>
+          <p:cNvPr id="9" name="Slide Number Placeholder 8" title=""/>
           <p:cNvSpPr>
             <a:spLocks noGrp="1"/>
           </p:cNvSpPr>
@@ -1990,11 +1990,11 @@
 </file>
 
 <file path=ppt/slideLayouts/slideLayout6.xml><?xml version="1.0" encoding="utf-8"?>
-<p:sldLayout xmlns:a="http://schemas.openxmlformats.org/drawingml/2006/main" xmlns:r="http://schemas.openxmlformats.org/officeDocument/2006/relationships" xmlns:p14="http://schemas.microsoft.com/office/powerpoint/2010/main" xmlns:a14="http://schemas.microsoft.com/office/drawing/2010/main" xmlns:p15="http://schemas.microsoft.com/office/powerpoint/2012/main" xmlns:p159="http://schemas.microsoft.com/office/powerpoint/2015/09/main" xmlns:p="http://schemas.openxmlformats.org/presentationml/2006/main" type="titleOnly" preserve="1">
+<p:sldLayout xmlns:a="http://schemas.openxmlformats.org/drawingml/2006/main" xmlns:r="http://schemas.openxmlformats.org/officeDocument/2006/relationships" xmlns:m="http://schemas.openxmlformats.org/officeDocument/2006/math" xmlns:w="http://schemas.openxmlformats.org/wordprocessingml/2006/main" xmlns:wp="http://schemas.openxmlformats.org/drawingml/2006/wordprocessingDrawing" xmlns:a14="http://schemas.microsoft.com/office/drawing/2010/main" xmlns:mc="http://schemas.openxmlformats.org/markup-compatibility/2006" xmlns:p14="http://schemas.microsoft.com/office/powerpoint/2010/main" xmlns:p15="http://schemas.microsoft.com/office/powerpoint/2012/main" xmlns:p159="http://schemas.microsoft.com/office/powerpoint/2015/09/main" xmlns:p="http://schemas.openxmlformats.org/presentationml/2006/main" type="titleOnly" preserve="1">
   <p:cSld name="Title Only">
     <p:spTree>
       <p:nvGrpSpPr>
-        <p:cNvPr id="1" name=""/>
+        <p:cNvPr id="1" name="" title=""/>
         <p:cNvGrpSpPr/>
         <p:nvPr/>
       </p:nvGrpSpPr>
@@ -2006,7 +2006,7 @@
       </p:grpSpPr>
       <p:sp>
         <p:nvSpPr>
-          <p:cNvPr id="2" name="Title 1"/>
+          <p:cNvPr id="2" name="Title 1" title=""/>
           <p:cNvSpPr>
             <a:spLocks noGrp="1"/>
           </p:cNvSpPr>
@@ -2029,7 +2029,7 @@
       </p:sp>
       <p:sp>
         <p:nvSpPr>
-          <p:cNvPr id="3" name="Date Placeholder 2"/>
+          <p:cNvPr id="3" name="Date Placeholder 2" title=""/>
           <p:cNvSpPr>
             <a:spLocks noGrp="1"/>
           </p:cNvSpPr>
@@ -2042,7 +2042,7 @@
           <a:bodyPr/>
           <a:lstStyle/>
           <a:p>
-            <a:fld id="{3B7D80E0-5819-418E-BE4D-0AD7E0B756FF}" type="datetimeFigureOut">
+            <a:fld id="{C7A6DF95-64F3-4ACA-83BE-CCDA346016B3}" type="datetimeFigureOut">
               <a:rPr lang="en-US" smtClean="0"/>
               <a:t>11/7/2009</a:t>
             </a:fld>
@@ -2052,7 +2052,7 @@
       </p:sp>
       <p:sp>
         <p:nvSpPr>
-          <p:cNvPr id="4" name="Footer Placeholder 3"/>
+          <p:cNvPr id="4" name="Footer Placeholder 3" title=""/>
           <p:cNvSpPr>
             <a:spLocks noGrp="1"/>
           </p:cNvSpPr>
@@ -2071,7 +2071,7 @@
       </p:sp>
       <p:sp>
         <p:nvSpPr>
-          <p:cNvPr id="5" name="Slide Number Placeholder 4"/>
+          <p:cNvPr id="5" name="Slide Number Placeholder 4" title=""/>
           <p:cNvSpPr>
             <a:spLocks noGrp="1"/>
           </p:cNvSpPr>
@@ -2103,11 +2103,11 @@
 </file>
 
 <file path=ppt/slideLayouts/slideLayout7.xml><?xml version="1.0" encoding="utf-8"?>
-<p:sldLayout xmlns:a="http://schemas.openxmlformats.org/drawingml/2006/main" xmlns:r="http://schemas.openxmlformats.org/officeDocument/2006/relationships" xmlns:p14="http://schemas.microsoft.com/office/powerpoint/2010/main" xmlns:a14="http://schemas.microsoft.com/office/drawing/2010/main" xmlns:p15="http://schemas.microsoft.com/office/powerpoint/2012/main" xmlns:p159="http://schemas.microsoft.com/office/powerpoint/2015/09/main" xmlns:p="http://schemas.openxmlformats.org/presentationml/2006/main" type="blank" preserve="1">
+<p:sldLayout xmlns:a="http://schemas.openxmlformats.org/drawingml/2006/main" xmlns:r="http://schemas.openxmlformats.org/officeDocument/2006/relationships" xmlns:m="http://schemas.openxmlformats.org/officeDocument/2006/math" xmlns:w="http://schemas.openxmlformats.org/wordprocessingml/2006/main" xmlns:wp="http://schemas.openxmlformats.org/drawingml/2006/wordprocessingDrawing" xmlns:a14="http://schemas.microsoft.com/office/drawing/2010/main" xmlns:mc="http://schemas.openxmlformats.org/markup-compatibility/2006" xmlns:p14="http://schemas.microsoft.com/office/powerpoint/2010/main" xmlns:p15="http://schemas.microsoft.com/office/powerpoint/2012/main" xmlns:p159="http://schemas.microsoft.com/office/powerpoint/2015/09/main" xmlns:p="http://schemas.openxmlformats.org/presentationml/2006/main" type="blank" preserve="1">
   <p:cSld name="Blank">
     <p:spTree>
       <p:nvGrpSpPr>
-        <p:cNvPr id="1" name=""/>
+        <p:cNvPr id="1" name="" title=""/>
         <p:cNvGrpSpPr/>
         <p:nvPr/>
       </p:nvGrpSpPr>
@@ -2119,7 +2119,7 @@
       </p:grpSpPr>
       <p:sp>
         <p:nvSpPr>
-          <p:cNvPr id="2" name="Date Placeholder 1"/>
+          <p:cNvPr id="2" name="Date Placeholder 1" title=""/>
           <p:cNvSpPr>
             <a:spLocks noGrp="1"/>
           </p:cNvSpPr>
@@ -2132,7 +2132,7 @@
           <a:bodyPr/>
           <a:lstStyle/>
           <a:p>
-            <a:fld id="{739B571E-1130-4B4F-8E79-4B2CF23ED83E}" type="datetimeFigureOut">
+            <a:fld id="{44547DDE-C58E-4B16-ACA1-1291F63E35A9}" type="datetimeFigureOut">
               <a:rPr lang="en-US" smtClean="0"/>
               <a:t>11/7/2009</a:t>
             </a:fld>
@@ -2142,7 +2142,7 @@
       </p:sp>
       <p:sp>
         <p:nvSpPr>
-          <p:cNvPr id="3" name="Footer Placeholder 2"/>
+          <p:cNvPr id="3" name="Footer Placeholder 2" title=""/>
           <p:cNvSpPr>
             <a:spLocks noGrp="1"/>
           </p:cNvSpPr>
@@ -2161,7 +2161,7 @@
       </p:sp>
       <p:sp>
         <p:nvSpPr>
-          <p:cNvPr id="4" name="Slide Number Placeholder 3"/>
+          <p:cNvPr id="4" name="Slide Number Placeholder 3" title=""/>
           <p:cNvSpPr>
             <a:spLocks noGrp="1"/>
           </p:cNvSpPr>
@@ -2193,11 +2193,11 @@
 </file>
 
 <file path=ppt/slideLayouts/slideLayout8.xml><?xml version="1.0" encoding="utf-8"?>
-<p:sldLayout xmlns:a="http://schemas.openxmlformats.org/drawingml/2006/main" xmlns:r="http://schemas.openxmlformats.org/officeDocument/2006/relationships" xmlns:p14="http://schemas.microsoft.com/office/powerpoint/2010/main" xmlns:a14="http://schemas.microsoft.com/office/drawing/2010/main" xmlns:p15="http://schemas.microsoft.com/office/powerpoint/2012/main" xmlns:p159="http://schemas.microsoft.com/office/powerpoint/2015/09/main" xmlns:p="http://schemas.openxmlformats.org/presentationml/2006/main" type="objTx" preserve="1">
+<p:sldLayout xmlns:a="http://schemas.openxmlformats.org/drawingml/2006/main" xmlns:r="http://schemas.openxmlformats.org/officeDocument/2006/relationships" xmlns:m="http://schemas.openxmlformats.org/officeDocument/2006/math" xmlns:w="http://schemas.openxmlformats.org/wordprocessingml/2006/main" xmlns:wp="http://schemas.openxmlformats.org/drawingml/2006/wordprocessingDrawing" xmlns:a14="http://schemas.microsoft.com/office/drawing/2010/main" xmlns:mc="http://schemas.openxmlformats.org/markup-compatibility/2006" xmlns:p14="http://schemas.microsoft.com/office/powerpoint/2010/main" xmlns:p15="http://schemas.microsoft.com/office/powerpoint/2012/main" xmlns:p159="http://schemas.microsoft.com/office/powerpoint/2015/09/main" xmlns:p="http://schemas.openxmlformats.org/presentationml/2006/main" type="objTx" preserve="1">
   <p:cSld name="Content with Caption">
     <p:spTree>
       <p:nvGrpSpPr>
-        <p:cNvPr id="1" name=""/>
+        <p:cNvPr id="1" name="" title=""/>
         <p:cNvGrpSpPr/>
         <p:nvPr/>
       </p:nvGrpSpPr>
@@ -2209,7 +2209,7 @@
       </p:grpSpPr>
       <p:sp>
         <p:nvSpPr>
-          <p:cNvPr id="2" name="Title 1"/>
+          <p:cNvPr id="2" name="Title 1" title=""/>
           <p:cNvSpPr>
             <a:spLocks noGrp="1"/>
           </p:cNvSpPr>
@@ -2236,7 +2236,7 @@
       </p:sp>
       <p:sp>
         <p:nvSpPr>
-          <p:cNvPr id="3" name="Content Placeholder 2"/>
+          <p:cNvPr id="3" name="Content Placeholder 2" title=""/>
           <p:cNvSpPr>
             <a:spLocks noGrp="1"/>
           </p:cNvSpPr>
@@ -2315,7 +2315,7 @@
       </p:sp>
       <p:sp>
         <p:nvSpPr>
-          <p:cNvPr id="4" name="Text Placeholder 3"/>
+          <p:cNvPr id="4" name="Text Placeholder 3" title=""/>
           <p:cNvSpPr>
             <a:spLocks noGrp="1"/>
           </p:cNvSpPr>
@@ -2374,7 +2374,7 @@
       </p:sp>
       <p:sp>
         <p:nvSpPr>
-          <p:cNvPr id="5" name="Date Placeholder 4"/>
+          <p:cNvPr id="5" name="Date Placeholder 4" title=""/>
           <p:cNvSpPr>
             <a:spLocks noGrp="1"/>
           </p:cNvSpPr>
@@ -2387,7 +2387,7 @@
           <a:bodyPr/>
           <a:lstStyle/>
           <a:p>
-            <a:fld id="{DA794C61-7307-48FE-876B-14396BF12D4A}" type="datetimeFigureOut">
+            <a:fld id="{962C1019-8732-4752-AECE-FFB4AFE87424}" type="datetimeFigureOut">
               <a:rPr lang="en-US" smtClean="0"/>
               <a:t>11/7/2009</a:t>
             </a:fld>
@@ -2397,7 +2397,7 @@
       </p:sp>
       <p:sp>
         <p:nvSpPr>
-          <p:cNvPr id="6" name="Footer Placeholder 5"/>
+          <p:cNvPr id="6" name="Footer Placeholder 5" title=""/>
           <p:cNvSpPr>
             <a:spLocks noGrp="1"/>
           </p:cNvSpPr>
@@ -2416,7 +2416,7 @@
       </p:sp>
       <p:sp>
         <p:nvSpPr>
-          <p:cNvPr id="7" name="Slide Number Placeholder 6"/>
+          <p:cNvPr id="7" name="Slide Number Placeholder 6" title=""/>
           <p:cNvSpPr>
             <a:spLocks noGrp="1"/>
           </p:cNvSpPr>
@@ -2448,11 +2448,11 @@
 </file>
 
 <file path=ppt/slideLayouts/slideLayout9.xml><?xml version="1.0" encoding="utf-8"?>
-<p:sldLayout xmlns:a="http://schemas.openxmlformats.org/drawingml/2006/main" xmlns:r="http://schemas.openxmlformats.org/officeDocument/2006/relationships" xmlns:p14="http://schemas.microsoft.com/office/powerpoint/2010/main" xmlns:a14="http://schemas.microsoft.com/office/drawing/2010/main" xmlns:p15="http://schemas.microsoft.com/office/powerpoint/2012/main" xmlns:p159="http://schemas.microsoft.com/office/powerpoint/2015/09/main" xmlns:p="http://schemas.openxmlformats.org/presentationml/2006/main" type="picTx" preserve="1">
+<p:sldLayout xmlns:a="http://schemas.openxmlformats.org/drawingml/2006/main" xmlns:r="http://schemas.openxmlformats.org/officeDocument/2006/relationships" xmlns:m="http://schemas.openxmlformats.org/officeDocument/2006/math" xmlns:w="http://schemas.openxmlformats.org/wordprocessingml/2006/main" xmlns:wp="http://schemas.openxmlformats.org/drawingml/2006/wordprocessingDrawing" xmlns:a14="http://schemas.microsoft.com/office/drawing/2010/main" xmlns:mc="http://schemas.openxmlformats.org/markup-compatibility/2006" xmlns:p14="http://schemas.microsoft.com/office/powerpoint/2010/main" xmlns:p15="http://schemas.microsoft.com/office/powerpoint/2012/main" xmlns:p159="http://schemas.microsoft.com/office/powerpoint/2015/09/main" xmlns:p="http://schemas.openxmlformats.org/presentationml/2006/main" type="picTx" preserve="1">
   <p:cSld name="Picture with Caption">
     <p:spTree>
       <p:nvGrpSpPr>
-        <p:cNvPr id="1" name=""/>
+        <p:cNvPr id="1" name="" title=""/>
         <p:cNvGrpSpPr/>
         <p:nvPr/>
       </p:nvGrpSpPr>
@@ -2464,7 +2464,7 @@
       </p:grpSpPr>
       <p:sp>
         <p:nvSpPr>
-          <p:cNvPr id="2" name="Title 1"/>
+          <p:cNvPr id="2" name="Title 1" title=""/>
           <p:cNvSpPr>
             <a:spLocks noGrp="1"/>
           </p:cNvSpPr>
@@ -2491,7 +2491,7 @@
       </p:sp>
       <p:sp>
         <p:nvSpPr>
-          <p:cNvPr id="3" name="Picture Placeholder 2"/>
+          <p:cNvPr id="3" name="Picture Placeholder 2" title=""/>
           <p:cNvSpPr>
             <a:spLocks noGrp="1"/>
           </p:cNvSpPr>
@@ -2547,7 +2547,7 @@
       </p:sp>
       <p:sp>
         <p:nvSpPr>
-          <p:cNvPr id="4" name="Text Placeholder 3"/>
+          <p:cNvPr id="4" name="Text Placeholder 3" title=""/>
           <p:cNvSpPr>
             <a:spLocks noGrp="1"/>
           </p:cNvSpPr>
@@ -2606,7 +2606,7 @@
       </p:sp>
       <p:sp>
         <p:nvSpPr>
-          <p:cNvPr id="5" name="Date Placeholder 4"/>
+          <p:cNvPr id="5" name="Date Placeholder 4" title=""/>
           <p:cNvSpPr>
             <a:spLocks noGrp="1"/>
           </p:cNvSpPr>
@@ -2619,7 +2619,7 @@
           <a:bodyPr/>
           <a:lstStyle/>
           <a:p>
-            <a:fld id="{884FD7B9-8EE9-478A-84A9-B0DFF1D87ED3}" type="datetimeFigureOut">
+            <a:fld id="{488691A7-5F44-4C35-A68C-1640E07463CF}" type="datetimeFigureOut">
               <a:rPr lang="en-US" smtClean="0"/>
               <a:t>11/7/2009</a:t>
             </a:fld>
@@ -2629,7 +2629,7 @@
       </p:sp>
       <p:sp>
         <p:nvSpPr>
-          <p:cNvPr id="6" name="Footer Placeholder 5"/>
+          <p:cNvPr id="6" name="Footer Placeholder 5" title=""/>
           <p:cNvSpPr>
             <a:spLocks noGrp="1"/>
           </p:cNvSpPr>
@@ -2648,7 +2648,7 @@
       </p:sp>
       <p:sp>
         <p:nvSpPr>
-          <p:cNvPr id="7" name="Slide Number Placeholder 6"/>
+          <p:cNvPr id="7" name="Slide Number Placeholder 6" title=""/>
           <p:cNvSpPr>
             <a:spLocks noGrp="1"/>
           </p:cNvSpPr>
@@ -2680,7 +2680,7 @@
 </file>
 
 <file path=ppt/slideMasters/slideMaster1.xml><?xml version="1.0" encoding="utf-8"?>
-<p:sldMaster xmlns:a="http://schemas.openxmlformats.org/drawingml/2006/main" xmlns:r="http://schemas.openxmlformats.org/officeDocument/2006/relationships" xmlns:p14="http://schemas.microsoft.com/office/powerpoint/2010/main" xmlns:a14="http://schemas.microsoft.com/office/drawing/2010/main" xmlns:p15="http://schemas.microsoft.com/office/powerpoint/2012/main" xmlns:p159="http://schemas.microsoft.com/office/powerpoint/2015/09/main" xmlns:p="http://schemas.openxmlformats.org/presentationml/2006/main">
+<p:sldMaster xmlns:a="http://schemas.openxmlformats.org/drawingml/2006/main" xmlns:r="http://schemas.openxmlformats.org/officeDocument/2006/relationships" xmlns:m="http://schemas.openxmlformats.org/officeDocument/2006/math" xmlns:w="http://schemas.openxmlformats.org/wordprocessingml/2006/main" xmlns:wp="http://schemas.openxmlformats.org/drawingml/2006/wordprocessingDrawing" xmlns:a14="http://schemas.microsoft.com/office/drawing/2010/main" xmlns:mc="http://schemas.openxmlformats.org/markup-compatibility/2006" xmlns:p14="http://schemas.microsoft.com/office/powerpoint/2010/main" xmlns:p15="http://schemas.microsoft.com/office/powerpoint/2012/main" xmlns:p159="http://schemas.microsoft.com/office/powerpoint/2015/09/main" xmlns:p="http://schemas.openxmlformats.org/presentationml/2006/main">
   <p:cSld>
     <p:bg>
       <p:bgRef idx="1001">
@@ -2689,7 +2689,7 @@
     </p:bg>
     <p:spTree>
       <p:nvGrpSpPr>
-        <p:cNvPr id="1" name=""/>
+        <p:cNvPr id="1" name="" title=""/>
         <p:cNvGrpSpPr/>
         <p:nvPr/>
       </p:nvGrpSpPr>
@@ -2701,7 +2701,7 @@
       </p:grpSpPr>
       <p:sp>
         <p:nvSpPr>
-          <p:cNvPr id="2" name="Title Placeholder 1"/>
+          <p:cNvPr id="2" name="Title Placeholder 1" title=""/>
           <p:cNvSpPr>
             <a:spLocks noGrp="1"/>
           </p:cNvSpPr>
@@ -2734,7 +2734,7 @@
       </p:sp>
       <p:sp>
         <p:nvSpPr>
-          <p:cNvPr id="3" name="Text Placeholder 2"/>
+          <p:cNvPr id="3" name="Text Placeholder 2" title=""/>
           <p:cNvSpPr>
             <a:spLocks noGrp="1"/>
           </p:cNvSpPr>
@@ -2795,7 +2795,7 @@
       </p:sp>
       <p:sp>
         <p:nvSpPr>
-          <p:cNvPr id="4" name="Date Placeholder 3"/>
+          <p:cNvPr id="4" name="Date Placeholder 3" title=""/>
           <p:cNvSpPr>
             <a:spLocks noGrp="1"/>
           </p:cNvSpPr>
@@ -2836,7 +2836,7 @@
       </p:sp>
       <p:sp>
         <p:nvSpPr>
-          <p:cNvPr id="5" name="Footer Placeholder 4"/>
+          <p:cNvPr id="5" name="Footer Placeholder 4" title=""/>
           <p:cNvSpPr>
             <a:spLocks noGrp="1"/>
           </p:cNvSpPr>
@@ -2873,7 +2873,7 @@
       </p:sp>
       <p:sp>
         <p:nvSpPr>
-          <p:cNvPr id="6" name="Slide Number Placeholder 5"/>
+          <p:cNvPr id="6" name="Slide Number Placeholder 5" title=""/>
           <p:cNvSpPr>
             <a:spLocks noGrp="1"/>
           </p:cNvSpPr>
@@ -3184,11 +3184,11 @@
 </file>
 
 <file path=ppt/slides/slide1.xml><?xml version="1.0" encoding="utf-8"?>
-<p:sld xmlns:a="http://schemas.openxmlformats.org/drawingml/2006/main" xmlns:r="http://schemas.openxmlformats.org/officeDocument/2006/relationships" xmlns:p14="http://schemas.microsoft.com/office/powerpoint/2010/main" xmlns:a14="http://schemas.microsoft.com/office/drawing/2010/main" xmlns:p15="http://schemas.microsoft.com/office/powerpoint/2012/main" xmlns:p159="http://schemas.microsoft.com/office/powerpoint/2015/09/main" xmlns:p="http://schemas.openxmlformats.org/presentationml/2006/main">
+<p:sld xmlns:a="http://schemas.openxmlformats.org/drawingml/2006/main" xmlns:r="http://schemas.openxmlformats.org/officeDocument/2006/relationships" xmlns:m="http://schemas.openxmlformats.org/officeDocument/2006/math" xmlns:w="http://schemas.openxmlformats.org/wordprocessingml/2006/main" xmlns:wp="http://schemas.openxmlformats.org/drawingml/2006/wordprocessingDrawing" xmlns:a14="http://schemas.microsoft.com/office/drawing/2010/main" xmlns:mc="http://schemas.openxmlformats.org/markup-compatibility/2006" xmlns:p14="http://schemas.microsoft.com/office/powerpoint/2010/main" xmlns:p15="http://schemas.microsoft.com/office/powerpoint/2012/main" xmlns:p159="http://schemas.microsoft.com/office/powerpoint/2015/09/main" xmlns:p="http://schemas.openxmlformats.org/presentationml/2006/main">
   <p:cSld name="">
     <p:spTree>
       <p:nvGrpSpPr>
-        <p:cNvPr id="1" name=""/>
+        <p:cNvPr id="1" name="" title=""/>
         <p:cNvGrpSpPr/>
         <p:nvPr/>
       </p:nvGrpSpPr>
@@ -3200,7 +3200,7 @@
       </p:grpSpPr>
       <p:graphicFrame>
         <p:nvGraphicFramePr>
-          <p:cNvPr id="2" name="ChartObject"/>
+          <p:cNvPr id="2" name="ChartObject" title=""/>
           <p:cNvGraphicFramePr/>
           <p:nvPr/>
         </p:nvGraphicFramePr>
@@ -3214,6 +3214,77 @@
           </a:graphicData>
         </a:graphic>
       </p:graphicFrame>
+      <p:sp>
+        <p:nvSpPr>
+          <p:cNvPr id="3" name="TextBox"/>
+          <p:cNvSpPr txBox="1">
+            <a:spLocks noGrp="1" noSelect="1" noRot="1" noMove="1"/>
+          </p:cNvSpPr>
+          <p:nvPr/>
+        </p:nvSpPr>
+        <p:spPr>
+          <a:xfrm>
+            <a:off x="1366520" y="2644140"/>
+            <a:ext cx="6411372" cy="1569660"/>
+          </a:xfrm>
+          <a:prstGeom prst="rect">
+            <a:avLst/>
+          </a:prstGeom>
+          <a:noFill/>
+        </p:spPr>
+        <p:txBody>
+          <a:bodyPr wrap="none" rtlCol="0" anchor="ctr" anchorCtr="1">
+            <a:spAutoFit/>
+          </a:bodyPr>
+          <a:lstStyle>
+            <a:lvl1pPr algn="l">
+              <a:lnSpc>
+                <a:spcPct val="150000"/>
+              </a:lnSpc>
+              <a:spcBef>
+                <a:spcPct val="0"/>
+              </a:spcBef>
+              <a:spcAft>
+                <a:spcPct val="0"/>
+              </a:spcAft>
+              <a:defRPr lang="en-US" sz="3200" b="1" noProof="1" dirty="0">
+                <a:solidFill>
+                  <a:prstClr val="red">
+                    <a:lumOff val="30000"/>
+                    <a:alpha val="40000"/>
+                  </a:prstClr>
+                </a:solidFill>
+                <a:effectLst>
+                  <a:outerShdw blurRad="50800" dist="38100" algn="tr" rotWithShape="0">
+                    <a:prstClr val="black">
+                      <a:alpha val="80000"/>
+                    </a:prstClr>
+                  </a:outerShdw>
+                </a:effectLst>
+                <a:latin typeface="Calibri" pitchFamily="34" charset="0"/>
+              </a:defRPr>
+            </a:lvl1pPr>
+          </a:lstStyle>
+          <a:p>
+            <a:pPr algn="ctr"/>
+            <a:r>
+              <a:t>Evaluation only.</a:t>
+            </a:r>
+          </a:p>
+          <a:p>
+            <a:pPr algn="ctr"/>
+            <a:r>
+              <a:t>Created with Aspose.Slides for .NET 4.0 Client Profile 21.12.</a:t>
+            </a:r>
+          </a:p>
+          <a:p>
+            <a:pPr algn="ctr"/>
+            <a:r>
+              <a:t>Copyright 2004-2021Aspose Pty Ltd.</a:t>
+            </a:r>
+          </a:p>
+        </p:txBody>
+      </p:sp>
     </p:spTree>
   </p:cSld>
   <p:clrMapOvr>
@@ -3227,10 +3298,10 @@
 <file path=ppt/tags/tag1.xml><?xml version="1.0" encoding="utf-8"?>
 <p:tagLst xmlns:p="http://schemas.openxmlformats.org/presentationml/2006/main">
   <p:tag name="AS_NET" val="4.0.30319.42000"/>
-  <p:tag name="AS_OS" val="Microsoft Windows NT 6.2.9200.0"/>
-  <p:tag name="AS_RELEASE_DATE" val="2019.06.14"/>
+  <p:tag name="AS_OS" val="Microsoft Windows NT 6.3.9600.0"/>
+  <p:tag name="AS_RELEASE_DATE" val="2021.12.14"/>
   <p:tag name="AS_TITLE" val="Aspose.Slides for .NET 4.0 Client Profile"/>
-  <p:tag name="AS_VERSION" val="19.6"/>
+  <p:tag name="AS_VERSION" val="21.12"/>
 </p:tagLst>
 </file>
 
